--- a/EDA_Story_Presentation_Team11.pptx
+++ b/EDA_Story_Presentation_Team11.pptx
@@ -2,16 +2,16 @@
 <file path=ppt/presentation.xml><?xml version="1.0" encoding="utf-8"?>
 <p:presentation xmlns:a="http://schemas.openxmlformats.org/drawingml/2006/main" xmlns:r="http://schemas.openxmlformats.org/officeDocument/2006/relationships" xmlns:p="http://schemas.openxmlformats.org/presentationml/2006/main" saveSubsetFonts="1" autoCompressPictures="0">
   <p:sldMasterIdLst>
-    <p:sldMasterId id="2147483648" r:id="rId1"/>
+    <p:sldMasterId id="2147483660" r:id="rId1"/>
   </p:sldMasterIdLst>
   <p:sldIdLst>
-    <p:sldId id="256" r:id="rId7"/>
-    <p:sldId id="257" r:id="rId8"/>
-    <p:sldId id="258" r:id="rId9"/>
-    <p:sldId id="259" r:id="rId10"/>
-    <p:sldId id="260" r:id="rId11"/>
-    <p:sldId id="261" r:id="rId12"/>
-    <p:sldId id="262" r:id="rId13"/>
+    <p:sldId id="256" r:id="rId2"/>
+    <p:sldId id="257" r:id="rId3"/>
+    <p:sldId id="258" r:id="rId4"/>
+    <p:sldId id="259" r:id="rId5"/>
+    <p:sldId id="260" r:id="rId6"/>
+    <p:sldId id="261" r:id="rId7"/>
+    <p:sldId id="262" r:id="rId8"/>
   </p:sldIdLst>
   <p:sldSz cx="9144000" cy="6858000" type="screen4x3"/>
   <p:notesSz cx="6858000" cy="9144000"/>
@@ -110,11 +110,27 @@
       </a:defRPr>
     </a:lvl9pPr>
   </p:defaultTextStyle>
+  <p:extLst>
+    <p:ext uri="{EFAFB233-063F-42B5-8137-9DF3F51BA10A}">
+      <p15:sldGuideLst xmlns:p15="http://schemas.microsoft.com/office/powerpoint/2012/main">
+        <p15:guide id="1" orient="horz" pos="2160">
+          <p15:clr>
+            <a:srgbClr val="A4A3A4"/>
+          </p15:clr>
+        </p15:guide>
+        <p15:guide id="2" pos="2880">
+          <p15:clr>
+            <a:srgbClr val="A4A3A4"/>
+          </p15:clr>
+        </p15:guide>
+      </p15:sldGuideLst>
+    </p:ext>
+  </p:extLst>
 </p:presentation>
 </file>
 
 <file path=ppt/slideLayouts/slideLayout1.xml><?xml version="1.0" encoding="utf-8"?>
-<p:sldLayout xmlns:a="http://schemas.openxmlformats.org/drawingml/2006/main" xmlns:r="http://schemas.openxmlformats.org/officeDocument/2006/relationships" xmlns:p="http://schemas.openxmlformats.org/presentationml/2006/main" type="title" preserve="1">
+<p:sldLayout xmlns:a="http://schemas.openxmlformats.org/drawingml/2006/main" xmlns:r="http://schemas.openxmlformats.org/officeDocument/2006/relationships" xmlns:p="http://schemas.openxmlformats.org/presentationml/2006/main" showMasterSp="0" type="title" preserve="1">
   <p:cSld name="Title Slide">
     <p:spTree>
       <p:nvGrpSpPr>
@@ -132,29 +148,301 @@
       </p:grpSpPr>
       <p:sp>
         <p:nvSpPr>
-          <p:cNvPr id="2" name="Title 1"/>
-          <p:cNvSpPr>
-            <a:spLocks noGrp="1"/>
-          </p:cNvSpPr>
-          <p:nvPr>
-            <p:ph type="ctrTitle"/>
-          </p:nvPr>
+          <p:cNvPr id="7" name="Rectangle 6"/>
+          <p:cNvSpPr/>
+          <p:nvPr/>
         </p:nvSpPr>
         <p:spPr>
           <a:xfrm>
-            <a:off x="685800" y="2130425"/>
-            <a:ext cx="7772400" cy="1470025"/>
+            <a:off x="685800" y="1346947"/>
+            <a:ext cx="7772400" cy="80683"/>
+          </a:xfrm>
+          <a:prstGeom prst="rect">
+            <a:avLst/>
+          </a:prstGeom>
+          <a:blipFill dpi="0" rotWithShape="1">
+            <a:blip r:embed="rId2">
+              <a:alphaModFix amt="80000"/>
+              <a:lum bright="70000" contrast="-70000"/>
+              <a:extLst>
+                <a:ext uri="{BEBA8EAE-BF5A-486C-A8C5-ECC9F3942E4B}">
+                  <a14:imgProps xmlns:a14="http://schemas.microsoft.com/office/drawing/2010/main">
+                    <a14:imgLayer r:embed="rId3">
+                      <a14:imgEffect>
+                        <a14:sharpenSoften amount="61000"/>
+                      </a14:imgEffect>
+                    </a14:imgLayer>
+                  </a14:imgProps>
+                </a:ext>
+                <a:ext uri="{28A0092B-C50C-407E-A947-70E740481C1C}">
+                  <a14:useLocalDpi xmlns:a14="http://schemas.microsoft.com/office/drawing/2010/main" val="0"/>
+                </a:ext>
+              </a:extLst>
+            </a:blip>
+            <a:srcRect/>
+            <a:tile tx="0" ty="-762000" sx="92000" sy="89000" flip="xy" algn="ctr"/>
+          </a:blipFill>
+          <a:ln>
+            <a:noFill/>
+          </a:ln>
+        </p:spPr>
+        <p:style>
+          <a:lnRef idx="2">
+            <a:schemeClr val="accent1">
+              <a:shade val="50000"/>
+            </a:schemeClr>
+          </a:lnRef>
+          <a:fillRef idx="1">
+            <a:schemeClr val="accent1"/>
+          </a:fillRef>
+          <a:effectRef idx="0">
+            <a:schemeClr val="accent1"/>
+          </a:effectRef>
+          <a:fontRef idx="minor">
+            <a:schemeClr val="lt1"/>
+          </a:fontRef>
+        </p:style>
+      </p:sp>
+      <p:sp>
+        <p:nvSpPr>
+          <p:cNvPr id="8" name="Rectangle 7"/>
+          <p:cNvSpPr/>
+          <p:nvPr/>
+        </p:nvSpPr>
+        <p:spPr>
+          <a:xfrm>
+            <a:off x="685800" y="4282763"/>
+            <a:ext cx="7772400" cy="80683"/>
+          </a:xfrm>
+          <a:prstGeom prst="rect">
+            <a:avLst/>
+          </a:prstGeom>
+          <a:blipFill dpi="0" rotWithShape="1">
+            <a:blip r:embed="rId2">
+              <a:alphaModFix amt="80000"/>
+              <a:lum bright="70000" contrast="-70000"/>
+              <a:extLst>
+                <a:ext uri="{BEBA8EAE-BF5A-486C-A8C5-ECC9F3942E4B}">
+                  <a14:imgProps xmlns:a14="http://schemas.microsoft.com/office/drawing/2010/main">
+                    <a14:imgLayer r:embed="rId3">
+                      <a14:imgEffect>
+                        <a14:sharpenSoften amount="61000"/>
+                      </a14:imgEffect>
+                    </a14:imgLayer>
+                  </a14:imgProps>
+                </a:ext>
+                <a:ext uri="{28A0092B-C50C-407E-A947-70E740481C1C}">
+                  <a14:useLocalDpi xmlns:a14="http://schemas.microsoft.com/office/drawing/2010/main" val="0"/>
+                </a:ext>
+              </a:extLst>
+            </a:blip>
+            <a:srcRect/>
+            <a:tile tx="0" ty="-717550" sx="92000" sy="89000" flip="xy" algn="ctr"/>
+          </a:blipFill>
+          <a:ln>
+            <a:noFill/>
+          </a:ln>
+        </p:spPr>
+        <p:style>
+          <a:lnRef idx="2">
+            <a:schemeClr val="accent1">
+              <a:shade val="50000"/>
+            </a:schemeClr>
+          </a:lnRef>
+          <a:fillRef idx="1">
+            <a:schemeClr val="accent1"/>
+          </a:fillRef>
+          <a:effectRef idx="0">
+            <a:schemeClr val="accent1"/>
+          </a:effectRef>
+          <a:fontRef idx="minor">
+            <a:schemeClr val="lt1"/>
+          </a:fontRef>
+        </p:style>
+      </p:sp>
+      <p:sp>
+        <p:nvSpPr>
+          <p:cNvPr id="9" name="Rectangle 8"/>
+          <p:cNvSpPr/>
+          <p:nvPr/>
+        </p:nvSpPr>
+        <p:spPr>
+          <a:xfrm>
+            <a:off x="685800" y="1484779"/>
+            <a:ext cx="7772400" cy="2743200"/>
+          </a:xfrm>
+          <a:prstGeom prst="rect">
+            <a:avLst/>
+          </a:prstGeom>
+          <a:blipFill dpi="0" rotWithShape="1">
+            <a:blip r:embed="rId2">
+              <a:alphaModFix amt="80000"/>
+              <a:lum bright="70000" contrast="-70000"/>
+              <a:extLst>
+                <a:ext uri="{BEBA8EAE-BF5A-486C-A8C5-ECC9F3942E4B}">
+                  <a14:imgProps xmlns:a14="http://schemas.microsoft.com/office/drawing/2010/main">
+                    <a14:imgLayer r:embed="rId3">
+                      <a14:imgEffect>
+                        <a14:sharpenSoften amount="61000"/>
+                      </a14:imgEffect>
+                    </a14:imgLayer>
+                  </a14:imgProps>
+                </a:ext>
+                <a:ext uri="{28A0092B-C50C-407E-A947-70E740481C1C}">
+                  <a14:useLocalDpi xmlns:a14="http://schemas.microsoft.com/office/drawing/2010/main" val="0"/>
+                </a:ext>
+              </a:extLst>
+            </a:blip>
+            <a:srcRect/>
+            <a:tile tx="0" ty="-704850" sx="92000" sy="89000" flip="xy" algn="ctr"/>
+          </a:blipFill>
+          <a:ln>
+            <a:noFill/>
+          </a:ln>
+        </p:spPr>
+        <p:style>
+          <a:lnRef idx="2">
+            <a:schemeClr val="accent1">
+              <a:shade val="50000"/>
+            </a:schemeClr>
+          </a:lnRef>
+          <a:fillRef idx="1">
+            <a:schemeClr val="accent1"/>
+          </a:fillRef>
+          <a:effectRef idx="0">
+            <a:schemeClr val="accent1"/>
+          </a:effectRef>
+          <a:fontRef idx="minor">
+            <a:schemeClr val="lt1"/>
+          </a:fontRef>
+        </p:style>
+      </p:sp>
+      <p:grpSp>
+        <p:nvGrpSpPr>
+          <p:cNvPr id="10" name="Group 9"/>
+          <p:cNvGrpSpPr>
+            <a:grpSpLocks noChangeAspect="1"/>
+          </p:cNvGrpSpPr>
+          <p:nvPr/>
+        </p:nvGrpSpPr>
+        <p:grpSpPr>
+          <a:xfrm>
+            <a:off x="7234780" y="4107023"/>
+            <a:ext cx="914400" cy="914400"/>
+            <a:chOff x="9685338" y="4460675"/>
+            <a:chExt cx="1080904" cy="1080902"/>
+          </a:xfrm>
+        </p:grpSpPr>
+        <p:sp>
+          <p:nvSpPr>
+            <p:cNvPr id="11" name="Oval 10"/>
+            <p:cNvSpPr/>
+            <p:nvPr/>
+          </p:nvSpPr>
+          <p:spPr>
+            <a:xfrm>
+              <a:off x="9685338" y="4460675"/>
+              <a:ext cx="1080904" cy="1080902"/>
+            </a:xfrm>
+            <a:prstGeom prst="ellipse">
+              <a:avLst/>
+            </a:prstGeom>
+            <a:blipFill dpi="0" rotWithShape="1">
+              <a:blip r:embed="rId4">
+                <a:duotone>
+                  <a:schemeClr val="accent1">
+                    <a:shade val="45000"/>
+                    <a:satMod val="135000"/>
+                  </a:schemeClr>
+                  <a:prstClr val="white"/>
+                </a:duotone>
+                <a:extLst>
+                  <a:ext uri="{BEBA8EAE-BF5A-486C-A8C5-ECC9F3942E4B}">
+                    <a14:imgProps xmlns:a14="http://schemas.microsoft.com/office/drawing/2010/main">
+                      <a14:imgLayer r:embed="rId5">
+                        <a14:imgEffect>
+                          <a14:saturation sat="95000"/>
+                        </a14:imgEffect>
+                      </a14:imgLayer>
+                    </a14:imgProps>
+                  </a:ext>
+                </a:extLst>
+              </a:blip>
+              <a:srcRect/>
+              <a:tile tx="0" ty="0" sx="85000" sy="85000" flip="none" algn="tl"/>
+            </a:blipFill>
+            <a:ln w="25400" cap="flat" cmpd="sng" algn="ctr">
+              <a:noFill/>
+              <a:prstDash val="solid"/>
+            </a:ln>
+            <a:effectLst/>
+          </p:spPr>
+        </p:sp>
+        <p:sp>
+          <p:nvSpPr>
+            <p:cNvPr id="12" name="Oval 11"/>
+            <p:cNvSpPr/>
+            <p:nvPr/>
+          </p:nvSpPr>
+          <p:spPr>
+            <a:xfrm>
+              <a:off x="9793429" y="4568765"/>
+              <a:ext cx="864723" cy="864722"/>
+            </a:xfrm>
+            <a:prstGeom prst="ellipse">
+              <a:avLst/>
+            </a:prstGeom>
+            <a:noFill/>
+            <a:ln w="25400" cap="flat" cmpd="sng" algn="ctr">
+              <a:solidFill>
+                <a:sysClr val="window" lastClr="FFFFFF"/>
+              </a:solidFill>
+              <a:prstDash val="solid"/>
+            </a:ln>
+            <a:effectLst/>
+          </p:spPr>
+        </p:sp>
+      </p:grpSp>
+      <p:sp>
+        <p:nvSpPr>
+          <p:cNvPr id="2" name="Title 1"/>
+          <p:cNvSpPr>
+            <a:spLocks noGrp="1"/>
+          </p:cNvSpPr>
+          <p:nvPr>
+            <p:ph type="ctrTitle"/>
+          </p:nvPr>
+        </p:nvSpPr>
+        <p:spPr>
+          <a:xfrm>
+            <a:off x="788670" y="1432223"/>
+            <a:ext cx="7593330" cy="3035808"/>
           </a:xfrm>
         </p:spPr>
         <p:txBody>
-          <a:bodyPr/>
-          <a:lstStyle/>
-          <a:p>
-            <a:r>
-              <a:rPr lang="en-US" smtClean="0"/>
+          <a:bodyPr anchor="ctr">
+            <a:noAutofit/>
+          </a:bodyPr>
+          <a:lstStyle>
+            <a:lvl1pPr algn="l">
+              <a:lnSpc>
+                <a:spcPct val="80000"/>
+              </a:lnSpc>
+              <a:defRPr sz="6400" b="0" cap="all" baseline="0">
+                <a:blipFill dpi="0" rotWithShape="1">
+                  <a:blip r:embed="rId4"/>
+                  <a:srcRect/>
+                  <a:tile tx="6350" ty="-127000" sx="65000" sy="64000" flip="none" algn="tl"/>
+                </a:blipFill>
+              </a:defRPr>
+            </a:lvl1pPr>
+          </a:lstStyle>
+          <a:p>
+            <a:r>
+              <a:rPr lang="en-US"/>
               <a:t>Click to edit Master title style</a:t>
             </a:r>
-            <a:endParaRPr lang="en-US"/>
+            <a:endParaRPr lang="en-US" dirty="0"/>
           </a:p>
         </p:txBody>
       </p:sp>
@@ -170,110 +458,62 @@
         </p:nvSpPr>
         <p:spPr>
           <a:xfrm>
-            <a:off x="1371600" y="3886200"/>
-            <a:ext cx="6400800" cy="1752600"/>
+            <a:off x="802386" y="4389120"/>
+            <a:ext cx="5918454" cy="1069848"/>
           </a:xfrm>
         </p:spPr>
         <p:txBody>
-          <a:bodyPr/>
+          <a:bodyPr>
+            <a:normAutofit/>
+          </a:bodyPr>
           <a:lstStyle>
-            <a:lvl1pPr marL="0" indent="0" algn="ctr">
-              <a:buNone/>
-              <a:defRPr>
+            <a:lvl1pPr marL="0" indent="0" algn="l">
+              <a:buNone/>
+              <a:defRPr sz="1800" b="0">
                 <a:solidFill>
-                  <a:schemeClr val="tx1">
-                    <a:tint val="75000"/>
-                  </a:schemeClr>
+                  <a:schemeClr val="tx1"/>
                 </a:solidFill>
               </a:defRPr>
             </a:lvl1pPr>
             <a:lvl2pPr marL="457200" indent="0" algn="ctr">
               <a:buNone/>
-              <a:defRPr>
-                <a:solidFill>
-                  <a:schemeClr val="tx1">
-                    <a:tint val="75000"/>
-                  </a:schemeClr>
-                </a:solidFill>
-              </a:defRPr>
+              <a:defRPr sz="1800"/>
             </a:lvl2pPr>
             <a:lvl3pPr marL="914400" indent="0" algn="ctr">
               <a:buNone/>
-              <a:defRPr>
-                <a:solidFill>
-                  <a:schemeClr val="tx1">
-                    <a:tint val="75000"/>
-                  </a:schemeClr>
-                </a:solidFill>
-              </a:defRPr>
+              <a:defRPr sz="1800"/>
             </a:lvl3pPr>
             <a:lvl4pPr marL="1371600" indent="0" algn="ctr">
               <a:buNone/>
-              <a:defRPr>
-                <a:solidFill>
-                  <a:schemeClr val="tx1">
-                    <a:tint val="75000"/>
-                  </a:schemeClr>
-                </a:solidFill>
-              </a:defRPr>
+              <a:defRPr sz="1800"/>
             </a:lvl4pPr>
             <a:lvl5pPr marL="1828800" indent="0" algn="ctr">
               <a:buNone/>
-              <a:defRPr>
-                <a:solidFill>
-                  <a:schemeClr val="tx1">
-                    <a:tint val="75000"/>
-                  </a:schemeClr>
-                </a:solidFill>
-              </a:defRPr>
+              <a:defRPr sz="1800"/>
             </a:lvl5pPr>
             <a:lvl6pPr marL="2286000" indent="0" algn="ctr">
               <a:buNone/>
-              <a:defRPr>
-                <a:solidFill>
-                  <a:schemeClr val="tx1">
-                    <a:tint val="75000"/>
-                  </a:schemeClr>
-                </a:solidFill>
-              </a:defRPr>
+              <a:defRPr sz="1800"/>
             </a:lvl6pPr>
             <a:lvl7pPr marL="2743200" indent="0" algn="ctr">
               <a:buNone/>
-              <a:defRPr>
-                <a:solidFill>
-                  <a:schemeClr val="tx1">
-                    <a:tint val="75000"/>
-                  </a:schemeClr>
-                </a:solidFill>
-              </a:defRPr>
+              <a:defRPr sz="1800"/>
             </a:lvl7pPr>
             <a:lvl8pPr marL="3200400" indent="0" algn="ctr">
               <a:buNone/>
-              <a:defRPr>
-                <a:solidFill>
-                  <a:schemeClr val="tx1">
-                    <a:tint val="75000"/>
-                  </a:schemeClr>
-                </a:solidFill>
-              </a:defRPr>
+              <a:defRPr sz="1800"/>
             </a:lvl8pPr>
             <a:lvl9pPr marL="3657600" indent="0" algn="ctr">
               <a:buNone/>
-              <a:defRPr>
-                <a:solidFill>
-                  <a:schemeClr val="tx1">
-                    <a:tint val="75000"/>
-                  </a:schemeClr>
-                </a:solidFill>
-              </a:defRPr>
+              <a:defRPr sz="1800"/>
             </a:lvl9pPr>
           </a:lstStyle>
           <a:p>
             <a:r>
-              <a:rPr lang="en-US" smtClean="0"/>
+              <a:rPr lang="en-US"/>
               <a:t>Click to edit Master subtitle style</a:t>
             </a:r>
-            <a:endParaRPr lang="en-US"/>
+            <a:endParaRPr lang="en-US" dirty="0"/>
           </a:p>
         </p:txBody>
       </p:sp>
@@ -294,7 +534,7 @@
           <a:p>
             <a:fld id="{5BCAD085-E8A6-8845-BD4E-CB4CCA059FC4}" type="datetimeFigureOut">
               <a:rPr lang="en-US" smtClean="0"/>
-              <a:t>1/27/13</a:t>
+              <a:t>4/7/2025</a:t>
             </a:fld>
             <a:endParaRPr lang="en-US"/>
           </a:p>
@@ -310,7 +550,12 @@
             <p:ph type="ftr" sz="quarter" idx="11"/>
           </p:nvPr>
         </p:nvSpPr>
-        <p:spPr/>
+        <p:spPr>
+          <a:xfrm>
+            <a:off x="812805" y="6272785"/>
+            <a:ext cx="4745736" cy="365125"/>
+          </a:xfrm>
+        </p:spPr>
         <p:txBody>
           <a:bodyPr/>
           <a:lstStyle/>
@@ -329,10 +574,19 @@
             <p:ph type="sldNum" sz="quarter" idx="12"/>
           </p:nvPr>
         </p:nvSpPr>
-        <p:spPr/>
-        <p:txBody>
-          <a:bodyPr/>
-          <a:lstStyle/>
+        <p:spPr>
+          <a:xfrm>
+            <a:off x="7244280" y="4227195"/>
+            <a:ext cx="895401" cy="640080"/>
+          </a:xfrm>
+        </p:spPr>
+        <p:txBody>
+          <a:bodyPr/>
+          <a:lstStyle>
+            <a:lvl1pPr>
+              <a:defRPr sz="2800" b="1"/>
+            </a:lvl1pPr>
+          </a:lstStyle>
           <a:p>
             <a:fld id="{C1FF6DA9-008F-8B48-92A6-B652298478BF}" type="slidenum">
               <a:rPr lang="en-US" smtClean="0"/>
@@ -345,7 +599,7 @@
     </p:spTree>
     <p:extLst>
       <p:ext uri="{BB962C8B-B14F-4D97-AF65-F5344CB8AC3E}">
-        <p14:creationId xmlns:p14="http://schemas.microsoft.com/office/powerpoint/2010/main" val="3168075583"/>
+        <p14:creationId xmlns:p14="http://schemas.microsoft.com/office/powerpoint/2010/main" val="329663846"/>
       </p:ext>
     </p:extLst>
   </p:cSld>
@@ -388,10 +642,10 @@
           <a:lstStyle/>
           <a:p>
             <a:r>
-              <a:rPr lang="en-US" smtClean="0"/>
+              <a:rPr lang="en-US"/>
               <a:t>Click to edit Master title style</a:t>
             </a:r>
-            <a:endParaRPr lang="en-US"/>
+            <a:endParaRPr lang="en-US" dirty="0"/>
           </a:p>
         </p:txBody>
       </p:sp>
@@ -412,44 +666,44 @@
           <a:p>
             <a:pPr lvl="0"/>
             <a:r>
-              <a:rPr lang="en-US" smtClean="0"/>
+              <a:rPr lang="en-US"/>
               <a:t>Click to edit Master text styles</a:t>
             </a:r>
           </a:p>
           <a:p>
             <a:pPr lvl="1"/>
             <a:r>
-              <a:rPr lang="en-US" smtClean="0"/>
+              <a:rPr lang="en-US"/>
               <a:t>Second level</a:t>
             </a:r>
           </a:p>
           <a:p>
             <a:pPr lvl="2"/>
             <a:r>
-              <a:rPr lang="en-US" smtClean="0"/>
+              <a:rPr lang="en-US"/>
               <a:t>Third level</a:t>
             </a:r>
           </a:p>
           <a:p>
             <a:pPr lvl="3"/>
             <a:r>
-              <a:rPr lang="en-US" smtClean="0"/>
+              <a:rPr lang="en-US"/>
               <a:t>Fourth level</a:t>
             </a:r>
           </a:p>
           <a:p>
             <a:pPr lvl="4"/>
             <a:r>
-              <a:rPr lang="en-US" smtClean="0"/>
+              <a:rPr lang="en-US"/>
               <a:t>Fifth level</a:t>
             </a:r>
-            <a:endParaRPr lang="en-US"/>
-          </a:p>
-        </p:txBody>
-      </p:sp>
-      <p:sp>
-        <p:nvSpPr>
-          <p:cNvPr id="4" name="Date Placeholder 3"/>
+            <a:endParaRPr lang="en-US" dirty="0"/>
+          </a:p>
+        </p:txBody>
+      </p:sp>
+      <p:sp>
+        <p:nvSpPr>
+          <p:cNvPr id="7" name="Date Placeholder 6"/>
           <p:cNvSpPr>
             <a:spLocks noGrp="1"/>
           </p:cNvSpPr>
@@ -464,7 +718,7 @@
           <a:p>
             <a:fld id="{5BCAD085-E8A6-8845-BD4E-CB4CCA059FC4}" type="datetimeFigureOut">
               <a:rPr lang="en-US" smtClean="0"/>
-              <a:t>1/27/13</a:t>
+              <a:t>4/7/2025</a:t>
             </a:fld>
             <a:endParaRPr lang="en-US"/>
           </a:p>
@@ -472,7 +726,7 @@
       </p:sp>
       <p:sp>
         <p:nvSpPr>
-          <p:cNvPr id="5" name="Footer Placeholder 4"/>
+          <p:cNvPr id="8" name="Footer Placeholder 7"/>
           <p:cNvSpPr>
             <a:spLocks noGrp="1"/>
           </p:cNvSpPr>
@@ -491,7 +745,7 @@
       </p:sp>
       <p:sp>
         <p:nvSpPr>
-          <p:cNvPr id="6" name="Slide Number Placeholder 5"/>
+          <p:cNvPr id="9" name="Slide Number Placeholder 8"/>
           <p:cNvSpPr>
             <a:spLocks noGrp="1"/>
           </p:cNvSpPr>
@@ -515,7 +769,7 @@
     </p:spTree>
     <p:extLst>
       <p:ext uri="{BB962C8B-B14F-4D97-AF65-F5344CB8AC3E}">
-        <p14:creationId xmlns:p14="http://schemas.microsoft.com/office/powerpoint/2010/main" val="2910927964"/>
+        <p14:creationId xmlns:p14="http://schemas.microsoft.com/office/powerpoint/2010/main" val="774671704"/>
       </p:ext>
     </p:extLst>
   </p:cSld>
@@ -554,19 +808,23 @@
         </p:nvSpPr>
         <p:spPr>
           <a:xfrm>
-            <a:off x="6629400" y="274638"/>
-            <a:ext cx="2057400" cy="5851525"/>
+            <a:off x="6543675" y="533400"/>
+            <a:ext cx="1914525" cy="5638800"/>
           </a:xfrm>
         </p:spPr>
         <p:txBody>
           <a:bodyPr vert="eaVert"/>
-          <a:lstStyle/>
-          <a:p>
-            <a:r>
-              <a:rPr lang="en-US" smtClean="0"/>
+          <a:lstStyle>
+            <a:lvl1pPr>
+              <a:defRPr b="0"/>
+            </a:lvl1pPr>
+          </a:lstStyle>
+          <a:p>
+            <a:r>
+              <a:rPr lang="en-US"/>
               <a:t>Click to edit Master title style</a:t>
             </a:r>
-            <a:endParaRPr lang="en-US"/>
+            <a:endParaRPr lang="en-US" dirty="0"/>
           </a:p>
         </p:txBody>
       </p:sp>
@@ -582,8 +840,8 @@
         </p:nvSpPr>
         <p:spPr>
           <a:xfrm>
-            <a:off x="457200" y="274638"/>
-            <a:ext cx="6019800" cy="5851525"/>
+            <a:off x="800100" y="533400"/>
+            <a:ext cx="5629275" cy="5638800"/>
           </a:xfrm>
         </p:spPr>
         <p:txBody>
@@ -592,44 +850,44 @@
           <a:p>
             <a:pPr lvl="0"/>
             <a:r>
-              <a:rPr lang="en-US" smtClean="0"/>
+              <a:rPr lang="en-US"/>
               <a:t>Click to edit Master text styles</a:t>
             </a:r>
           </a:p>
           <a:p>
             <a:pPr lvl="1"/>
             <a:r>
-              <a:rPr lang="en-US" smtClean="0"/>
+              <a:rPr lang="en-US"/>
               <a:t>Second level</a:t>
             </a:r>
           </a:p>
           <a:p>
             <a:pPr lvl="2"/>
             <a:r>
-              <a:rPr lang="en-US" smtClean="0"/>
+              <a:rPr lang="en-US"/>
               <a:t>Third level</a:t>
             </a:r>
           </a:p>
           <a:p>
             <a:pPr lvl="3"/>
             <a:r>
-              <a:rPr lang="en-US" smtClean="0"/>
+              <a:rPr lang="en-US"/>
               <a:t>Fourth level</a:t>
             </a:r>
           </a:p>
           <a:p>
             <a:pPr lvl="4"/>
             <a:r>
-              <a:rPr lang="en-US" smtClean="0"/>
+              <a:rPr lang="en-US"/>
               <a:t>Fifth level</a:t>
             </a:r>
-            <a:endParaRPr lang="en-US"/>
-          </a:p>
-        </p:txBody>
-      </p:sp>
-      <p:sp>
-        <p:nvSpPr>
-          <p:cNvPr id="4" name="Date Placeholder 3"/>
+            <a:endParaRPr lang="en-US" dirty="0"/>
+          </a:p>
+        </p:txBody>
+      </p:sp>
+      <p:sp>
+        <p:nvSpPr>
+          <p:cNvPr id="7" name="Date Placeholder 6"/>
           <p:cNvSpPr>
             <a:spLocks noGrp="1"/>
           </p:cNvSpPr>
@@ -644,7 +902,7 @@
           <a:p>
             <a:fld id="{5BCAD085-E8A6-8845-BD4E-CB4CCA059FC4}" type="datetimeFigureOut">
               <a:rPr lang="en-US" smtClean="0"/>
-              <a:t>1/27/13</a:t>
+              <a:t>4/7/2025</a:t>
             </a:fld>
             <a:endParaRPr lang="en-US"/>
           </a:p>
@@ -652,7 +910,7 @@
       </p:sp>
       <p:sp>
         <p:nvSpPr>
-          <p:cNvPr id="5" name="Footer Placeholder 4"/>
+          <p:cNvPr id="8" name="Footer Placeholder 7"/>
           <p:cNvSpPr>
             <a:spLocks noGrp="1"/>
           </p:cNvSpPr>
@@ -671,7 +929,7 @@
       </p:sp>
       <p:sp>
         <p:nvSpPr>
-          <p:cNvPr id="6" name="Slide Number Placeholder 5"/>
+          <p:cNvPr id="9" name="Slide Number Placeholder 8"/>
           <p:cNvSpPr>
             <a:spLocks noGrp="1"/>
           </p:cNvSpPr>
@@ -695,7 +953,7 @@
     </p:spTree>
     <p:extLst>
       <p:ext uri="{BB962C8B-B14F-4D97-AF65-F5344CB8AC3E}">
-        <p14:creationId xmlns:p14="http://schemas.microsoft.com/office/powerpoint/2010/main" val="3612223792"/>
+        <p14:creationId xmlns:p14="http://schemas.microsoft.com/office/powerpoint/2010/main" val="742781311"/>
       </p:ext>
     </p:extLst>
   </p:cSld>
@@ -738,10 +996,10 @@
           <a:lstStyle/>
           <a:p>
             <a:r>
-              <a:rPr lang="en-US" smtClean="0"/>
+              <a:rPr lang="en-US"/>
               <a:t>Click to edit Master title style</a:t>
             </a:r>
-            <a:endParaRPr lang="en-US"/>
+            <a:endParaRPr lang="en-US" dirty="0"/>
           </a:p>
         </p:txBody>
       </p:sp>
@@ -762,44 +1020,44 @@
           <a:p>
             <a:pPr lvl="0"/>
             <a:r>
-              <a:rPr lang="en-US" smtClean="0"/>
+              <a:rPr lang="en-US"/>
               <a:t>Click to edit Master text styles</a:t>
             </a:r>
           </a:p>
           <a:p>
             <a:pPr lvl="1"/>
             <a:r>
-              <a:rPr lang="en-US" smtClean="0"/>
+              <a:rPr lang="en-US"/>
               <a:t>Second level</a:t>
             </a:r>
           </a:p>
           <a:p>
             <a:pPr lvl="2"/>
             <a:r>
-              <a:rPr lang="en-US" smtClean="0"/>
+              <a:rPr lang="en-US"/>
               <a:t>Third level</a:t>
             </a:r>
           </a:p>
           <a:p>
             <a:pPr lvl="3"/>
             <a:r>
-              <a:rPr lang="en-US" smtClean="0"/>
+              <a:rPr lang="en-US"/>
               <a:t>Fourth level</a:t>
             </a:r>
           </a:p>
           <a:p>
             <a:pPr lvl="4"/>
             <a:r>
-              <a:rPr lang="en-US" smtClean="0"/>
+              <a:rPr lang="en-US"/>
               <a:t>Fifth level</a:t>
             </a:r>
-            <a:endParaRPr lang="en-US"/>
-          </a:p>
-        </p:txBody>
-      </p:sp>
-      <p:sp>
-        <p:nvSpPr>
-          <p:cNvPr id="4" name="Date Placeholder 3"/>
+            <a:endParaRPr lang="en-US" dirty="0"/>
+          </a:p>
+        </p:txBody>
+      </p:sp>
+      <p:sp>
+        <p:nvSpPr>
+          <p:cNvPr id="7" name="Date Placeholder 6"/>
           <p:cNvSpPr>
             <a:spLocks noGrp="1"/>
           </p:cNvSpPr>
@@ -814,7 +1072,7 @@
           <a:p>
             <a:fld id="{5BCAD085-E8A6-8845-BD4E-CB4CCA059FC4}" type="datetimeFigureOut">
               <a:rPr lang="en-US" smtClean="0"/>
-              <a:t>1/27/13</a:t>
+              <a:t>4/7/2025</a:t>
             </a:fld>
             <a:endParaRPr lang="en-US"/>
           </a:p>
@@ -822,7 +1080,7 @@
       </p:sp>
       <p:sp>
         <p:nvSpPr>
-          <p:cNvPr id="5" name="Footer Placeholder 4"/>
+          <p:cNvPr id="8" name="Footer Placeholder 7"/>
           <p:cNvSpPr>
             <a:spLocks noGrp="1"/>
           </p:cNvSpPr>
@@ -841,7 +1099,7 @@
       </p:sp>
       <p:sp>
         <p:nvSpPr>
-          <p:cNvPr id="6" name="Slide Number Placeholder 5"/>
+          <p:cNvPr id="9" name="Slide Number Placeholder 8"/>
           <p:cNvSpPr>
             <a:spLocks noGrp="1"/>
           </p:cNvSpPr>
@@ -865,7 +1123,7 @@
     </p:spTree>
     <p:extLst>
       <p:ext uri="{BB962C8B-B14F-4D97-AF65-F5344CB8AC3E}">
-        <p14:creationId xmlns:p14="http://schemas.microsoft.com/office/powerpoint/2010/main" val="2614314258"/>
+        <p14:creationId xmlns:p14="http://schemas.microsoft.com/office/powerpoint/2010/main" val="1228113077"/>
       </p:ext>
     </p:extLst>
   </p:cSld>
@@ -876,7 +1134,7 @@
 </file>
 
 <file path=ppt/slideLayouts/slideLayout3.xml><?xml version="1.0" encoding="utf-8"?>
-<p:sldLayout xmlns:a="http://schemas.openxmlformats.org/drawingml/2006/main" xmlns:r="http://schemas.openxmlformats.org/officeDocument/2006/relationships" xmlns:p="http://schemas.openxmlformats.org/presentationml/2006/main" type="secHead" preserve="1">
+<p:sldLayout xmlns:a="http://schemas.openxmlformats.org/drawingml/2006/main" xmlns:r="http://schemas.openxmlformats.org/officeDocument/2006/relationships" xmlns:p="http://schemas.openxmlformats.org/presentationml/2006/main" showMasterSp="0" type="secHead" preserve="1">
   <p:cSld name="Section Header">
     <p:spTree>
       <p:nvGrpSpPr>
@@ -894,33 +1152,95 @@
       </p:grpSpPr>
       <p:sp>
         <p:nvSpPr>
-          <p:cNvPr id="2" name="Title 1"/>
-          <p:cNvSpPr>
-            <a:spLocks noGrp="1"/>
-          </p:cNvSpPr>
-          <p:nvPr>
-            <p:ph type="title"/>
-          </p:nvPr>
+          <p:cNvPr id="7" name="Rectangle 6"/>
+          <p:cNvSpPr/>
+          <p:nvPr/>
         </p:nvSpPr>
         <p:spPr>
           <a:xfrm>
-            <a:off x="722313" y="4406900"/>
-            <a:ext cx="7772400" cy="1362075"/>
+            <a:off x="0" y="4917989"/>
+            <a:ext cx="9144000" cy="1940010"/>
+          </a:xfrm>
+          <a:prstGeom prst="rect">
+            <a:avLst/>
+          </a:prstGeom>
+          <a:blipFill dpi="0" rotWithShape="1">
+            <a:blip r:embed="rId2">
+              <a:alphaModFix amt="80000"/>
+              <a:lum bright="70000" contrast="-70000"/>
+              <a:extLst>
+                <a:ext uri="{BEBA8EAE-BF5A-486C-A8C5-ECC9F3942E4B}">
+                  <a14:imgProps xmlns:a14="http://schemas.microsoft.com/office/drawing/2010/main">
+                    <a14:imgLayer r:embed="rId3">
+                      <a14:imgEffect>
+                        <a14:sharpenSoften amount="61000"/>
+                      </a14:imgEffect>
+                    </a14:imgLayer>
+                  </a14:imgProps>
+                </a:ext>
+                <a:ext uri="{28A0092B-C50C-407E-A947-70E740481C1C}">
+                  <a14:useLocalDpi xmlns:a14="http://schemas.microsoft.com/office/drawing/2010/main" val="0"/>
+                </a:ext>
+              </a:extLst>
+            </a:blip>
+            <a:srcRect/>
+            <a:tile tx="0" ty="-704850" sx="92000" sy="89000" flip="xy" algn="ctr"/>
+          </a:blipFill>
+          <a:ln>
+            <a:noFill/>
+          </a:ln>
+        </p:spPr>
+        <p:style>
+          <a:lnRef idx="2">
+            <a:schemeClr val="accent1">
+              <a:shade val="50000"/>
+            </a:schemeClr>
+          </a:lnRef>
+          <a:fillRef idx="1">
+            <a:schemeClr val="accent1"/>
+          </a:fillRef>
+          <a:effectRef idx="0">
+            <a:schemeClr val="accent1"/>
+          </a:effectRef>
+          <a:fontRef idx="minor">
+            <a:schemeClr val="lt1"/>
+          </a:fontRef>
+        </p:style>
+      </p:sp>
+      <p:sp>
+        <p:nvSpPr>
+          <p:cNvPr id="2" name="Title 1"/>
+          <p:cNvSpPr>
+            <a:spLocks noGrp="1"/>
+          </p:cNvSpPr>
+          <p:nvPr>
+            <p:ph type="title"/>
+          </p:nvPr>
+        </p:nvSpPr>
+        <p:spPr>
+          <a:xfrm>
+            <a:off x="1625346" y="1225296"/>
+            <a:ext cx="6960870" cy="3520440"/>
           </a:xfrm>
         </p:spPr>
         <p:txBody>
-          <a:bodyPr anchor="t"/>
+          <a:bodyPr anchor="ctr">
+            <a:normAutofit/>
+          </a:bodyPr>
           <a:lstStyle>
-            <a:lvl1pPr algn="l">
-              <a:defRPr sz="4000" b="1" cap="all"/>
+            <a:lvl1pPr>
+              <a:lnSpc>
+                <a:spcPct val="80000"/>
+              </a:lnSpc>
+              <a:defRPr sz="6400" b="0"/>
             </a:lvl1pPr>
           </a:lstStyle>
           <a:p>
             <a:r>
-              <a:rPr lang="en-US" smtClean="0"/>
+              <a:rPr lang="en-US"/>
               <a:t>Click to edit Master title style</a:t>
             </a:r>
-            <a:endParaRPr lang="en-US"/>
+            <a:endParaRPr lang="en-US" dirty="0"/>
           </a:p>
         </p:txBody>
       </p:sp>
@@ -936,19 +1256,21 @@
         </p:nvSpPr>
         <p:spPr>
           <a:xfrm>
-            <a:off x="722313" y="2906713"/>
-            <a:ext cx="7772400" cy="1500187"/>
+            <a:off x="1624330" y="5020056"/>
+            <a:ext cx="6789420" cy="1066800"/>
           </a:xfrm>
         </p:spPr>
         <p:txBody>
-          <a:bodyPr anchor="b"/>
+          <a:bodyPr anchor="t">
+            <a:normAutofit/>
+          </a:bodyPr>
           <a:lstStyle>
             <a:lvl1pPr marL="0" indent="0">
               <a:buNone/>
-              <a:defRPr sz="2000">
+              <a:defRPr sz="1800" b="0">
                 <a:solidFill>
-                  <a:schemeClr val="tx1">
-                    <a:tint val="75000"/>
+                  <a:schemeClr val="accent1">
+                    <a:lumMod val="50000"/>
                   </a:schemeClr>
                 </a:solidFill>
               </a:defRPr>
@@ -1037,7 +1359,7 @@
           <a:p>
             <a:pPr lvl="0"/>
             <a:r>
-              <a:rPr lang="en-US" smtClean="0"/>
+              <a:rPr lang="en-US"/>
               <a:t>Click to edit Master text styles</a:t>
             </a:r>
           </a:p>
@@ -1053,14 +1375,29 @@
             <p:ph type="dt" sz="half" idx="10"/>
           </p:nvPr>
         </p:nvSpPr>
-        <p:spPr/>
-        <p:txBody>
-          <a:bodyPr/>
-          <a:lstStyle/>
+        <p:spPr>
+          <a:xfrm>
+            <a:off x="6445251" y="6272785"/>
+            <a:ext cx="1983232" cy="365125"/>
+          </a:xfrm>
+        </p:spPr>
+        <p:txBody>
+          <a:bodyPr/>
+          <a:lstStyle>
+            <a:lvl1pPr>
+              <a:defRPr>
+                <a:solidFill>
+                  <a:schemeClr val="accent1">
+                    <a:lumMod val="50000"/>
+                  </a:schemeClr>
+                </a:solidFill>
+              </a:defRPr>
+            </a:lvl1pPr>
+          </a:lstStyle>
           <a:p>
             <a:fld id="{5BCAD085-E8A6-8845-BD4E-CB4CCA059FC4}" type="datetimeFigureOut">
               <a:rPr lang="en-US" smtClean="0"/>
-              <a:t>1/27/13</a:t>
+              <a:t>4/7/2025</a:t>
             </a:fld>
             <a:endParaRPr lang="en-US"/>
           </a:p>
@@ -1076,15 +1413,116 @@
             <p:ph type="ftr" sz="quarter" idx="11"/>
           </p:nvPr>
         </p:nvSpPr>
-        <p:spPr/>
-        <p:txBody>
-          <a:bodyPr/>
-          <a:lstStyle/>
+        <p:spPr>
+          <a:xfrm>
+            <a:off x="1636099" y="6272784"/>
+            <a:ext cx="4745736" cy="365125"/>
+          </a:xfrm>
+        </p:spPr>
+        <p:txBody>
+          <a:bodyPr/>
+          <a:lstStyle>
+            <a:lvl1pPr>
+              <a:defRPr>
+                <a:solidFill>
+                  <a:schemeClr val="accent1">
+                    <a:lumMod val="50000"/>
+                  </a:schemeClr>
+                </a:solidFill>
+              </a:defRPr>
+            </a:lvl1pPr>
+          </a:lstStyle>
           <a:p>
             <a:endParaRPr lang="en-US"/>
           </a:p>
         </p:txBody>
       </p:sp>
+      <p:grpSp>
+        <p:nvGrpSpPr>
+          <p:cNvPr id="8" name="Group 7"/>
+          <p:cNvGrpSpPr>
+            <a:grpSpLocks noChangeAspect="1"/>
+          </p:cNvGrpSpPr>
+          <p:nvPr/>
+        </p:nvGrpSpPr>
+        <p:grpSpPr>
+          <a:xfrm>
+            <a:off x="633862" y="2430623"/>
+            <a:ext cx="914400" cy="914400"/>
+            <a:chOff x="9685338" y="4460675"/>
+            <a:chExt cx="1080904" cy="1080902"/>
+          </a:xfrm>
+        </p:grpSpPr>
+        <p:sp>
+          <p:nvSpPr>
+            <p:cNvPr id="9" name="Oval 8"/>
+            <p:cNvSpPr/>
+            <p:nvPr/>
+          </p:nvSpPr>
+          <p:spPr>
+            <a:xfrm>
+              <a:off x="9685338" y="4460675"/>
+              <a:ext cx="1080904" cy="1080902"/>
+            </a:xfrm>
+            <a:prstGeom prst="ellipse">
+              <a:avLst/>
+            </a:prstGeom>
+            <a:blipFill dpi="0" rotWithShape="1">
+              <a:blip r:embed="rId4">
+                <a:duotone>
+                  <a:schemeClr val="accent1">
+                    <a:shade val="45000"/>
+                    <a:satMod val="135000"/>
+                  </a:schemeClr>
+                  <a:prstClr val="white"/>
+                </a:duotone>
+                <a:extLst>
+                  <a:ext uri="{BEBA8EAE-BF5A-486C-A8C5-ECC9F3942E4B}">
+                    <a14:imgProps xmlns:a14="http://schemas.microsoft.com/office/drawing/2010/main">
+                      <a14:imgLayer r:embed="rId5">
+                        <a14:imgEffect>
+                          <a14:saturation sat="95000"/>
+                        </a14:imgEffect>
+                      </a14:imgLayer>
+                    </a14:imgProps>
+                  </a:ext>
+                </a:extLst>
+              </a:blip>
+              <a:srcRect/>
+              <a:tile tx="0" ty="0" sx="85000" sy="85000" flip="none" algn="tl"/>
+            </a:blipFill>
+            <a:ln w="25400" cap="flat" cmpd="sng" algn="ctr">
+              <a:noFill/>
+              <a:prstDash val="solid"/>
+            </a:ln>
+            <a:effectLst/>
+          </p:spPr>
+        </p:sp>
+        <p:sp>
+          <p:nvSpPr>
+            <p:cNvPr id="10" name="Oval 9"/>
+            <p:cNvSpPr/>
+            <p:nvPr/>
+          </p:nvSpPr>
+          <p:spPr>
+            <a:xfrm>
+              <a:off x="9793429" y="4568765"/>
+              <a:ext cx="864723" cy="864722"/>
+            </a:xfrm>
+            <a:prstGeom prst="ellipse">
+              <a:avLst/>
+            </a:prstGeom>
+            <a:noFill/>
+            <a:ln w="25400" cap="flat" cmpd="sng" algn="ctr">
+              <a:solidFill>
+                <a:sysClr val="window" lastClr="FFFFFF"/>
+              </a:solidFill>
+              <a:prstDash val="solid"/>
+            </a:ln>
+            <a:effectLst/>
+          </p:spPr>
+        </p:sp>
+      </p:grpSp>
       <p:sp>
         <p:nvSpPr>
           <p:cNvPr id="6" name="Slide Number Placeholder 5"/>
@@ -1095,10 +1533,19 @@
             <p:ph type="sldNum" sz="quarter" idx="12"/>
           </p:nvPr>
         </p:nvSpPr>
-        <p:spPr/>
-        <p:txBody>
-          <a:bodyPr/>
-          <a:lstStyle/>
+        <p:spPr>
+          <a:xfrm>
+            <a:off x="645450" y="2508607"/>
+            <a:ext cx="891224" cy="720332"/>
+          </a:xfrm>
+        </p:spPr>
+        <p:txBody>
+          <a:bodyPr/>
+          <a:lstStyle>
+            <a:lvl1pPr>
+              <a:defRPr sz="2800"/>
+            </a:lvl1pPr>
+          </a:lstStyle>
           <a:p>
             <a:fld id="{C1FF6DA9-008F-8B48-92A6-B652298478BF}" type="slidenum">
               <a:rPr lang="en-US" smtClean="0"/>
@@ -1111,7 +1558,7 @@
     </p:spTree>
     <p:extLst>
       <p:ext uri="{BB962C8B-B14F-4D97-AF65-F5344CB8AC3E}">
-        <p14:creationId xmlns:p14="http://schemas.microsoft.com/office/powerpoint/2010/main" val="960648375"/>
+        <p14:creationId xmlns:p14="http://schemas.microsoft.com/office/powerpoint/2010/main" val="3010314813"/>
       </p:ext>
     </p:extLst>
   </p:cSld>
@@ -1154,10 +1601,10 @@
           <a:lstStyle/>
           <a:p>
             <a:r>
-              <a:rPr lang="en-US" smtClean="0"/>
+              <a:rPr lang="en-US"/>
               <a:t>Click to edit Master title style</a:t>
             </a:r>
-            <a:endParaRPr lang="en-US"/>
+            <a:endParaRPr lang="en-US" dirty="0"/>
           </a:p>
         </p:txBody>
       </p:sp>
@@ -1173,76 +1620,76 @@
         </p:nvSpPr>
         <p:spPr>
           <a:xfrm>
-            <a:off x="457200" y="1600200"/>
-            <a:ext cx="4038600" cy="4525963"/>
+            <a:off x="685800" y="2194560"/>
+            <a:ext cx="3657600" cy="3977640"/>
           </a:xfrm>
         </p:spPr>
         <p:txBody>
           <a:bodyPr/>
           <a:lstStyle>
             <a:lvl1pPr>
-              <a:defRPr sz="2800"/>
+              <a:defRPr sz="2000"/>
             </a:lvl1pPr>
             <a:lvl2pPr>
-              <a:defRPr sz="2400"/>
+              <a:defRPr sz="1800"/>
             </a:lvl2pPr>
             <a:lvl3pPr>
-              <a:defRPr sz="2000"/>
+              <a:defRPr sz="1600"/>
             </a:lvl3pPr>
             <a:lvl4pPr>
-              <a:defRPr sz="1800"/>
+              <a:defRPr sz="1600"/>
             </a:lvl4pPr>
             <a:lvl5pPr>
-              <a:defRPr sz="1800"/>
+              <a:defRPr sz="1600"/>
             </a:lvl5pPr>
             <a:lvl6pPr>
-              <a:defRPr sz="1800"/>
+              <a:defRPr sz="1600"/>
             </a:lvl6pPr>
             <a:lvl7pPr>
-              <a:defRPr sz="1800"/>
+              <a:defRPr sz="1600"/>
             </a:lvl7pPr>
             <a:lvl8pPr>
-              <a:defRPr sz="1800"/>
+              <a:defRPr sz="1600"/>
             </a:lvl8pPr>
             <a:lvl9pPr>
-              <a:defRPr sz="1800"/>
+              <a:defRPr sz="1600"/>
             </a:lvl9pPr>
           </a:lstStyle>
           <a:p>
             <a:pPr lvl="0"/>
             <a:r>
-              <a:rPr lang="en-US" smtClean="0"/>
+              <a:rPr lang="en-US"/>
               <a:t>Click to edit Master text styles</a:t>
             </a:r>
           </a:p>
           <a:p>
             <a:pPr lvl="1"/>
             <a:r>
-              <a:rPr lang="en-US" smtClean="0"/>
+              <a:rPr lang="en-US"/>
               <a:t>Second level</a:t>
             </a:r>
           </a:p>
           <a:p>
             <a:pPr lvl="2"/>
             <a:r>
-              <a:rPr lang="en-US" smtClean="0"/>
+              <a:rPr lang="en-US"/>
               <a:t>Third level</a:t>
             </a:r>
           </a:p>
           <a:p>
             <a:pPr lvl="3"/>
             <a:r>
-              <a:rPr lang="en-US" smtClean="0"/>
+              <a:rPr lang="en-US"/>
               <a:t>Fourth level</a:t>
             </a:r>
           </a:p>
           <a:p>
             <a:pPr lvl="4"/>
             <a:r>
-              <a:rPr lang="en-US" smtClean="0"/>
+              <a:rPr lang="en-US"/>
               <a:t>Fifth level</a:t>
             </a:r>
-            <a:endParaRPr lang="en-US"/>
+            <a:endParaRPr lang="en-US" dirty="0"/>
           </a:p>
         </p:txBody>
       </p:sp>
@@ -1258,76 +1705,76 @@
         </p:nvSpPr>
         <p:spPr>
           <a:xfrm>
-            <a:off x="4648200" y="1600200"/>
-            <a:ext cx="4038600" cy="4525963"/>
+            <a:off x="4792218" y="2194560"/>
+            <a:ext cx="3657600" cy="3977640"/>
           </a:xfrm>
         </p:spPr>
         <p:txBody>
           <a:bodyPr/>
           <a:lstStyle>
             <a:lvl1pPr>
-              <a:defRPr sz="2800"/>
+              <a:defRPr sz="2000"/>
             </a:lvl1pPr>
             <a:lvl2pPr>
-              <a:defRPr sz="2400"/>
+              <a:defRPr sz="1800"/>
             </a:lvl2pPr>
             <a:lvl3pPr>
-              <a:defRPr sz="2000"/>
+              <a:defRPr sz="1600"/>
             </a:lvl3pPr>
             <a:lvl4pPr>
-              <a:defRPr sz="1800"/>
+              <a:defRPr sz="1600"/>
             </a:lvl4pPr>
             <a:lvl5pPr>
-              <a:defRPr sz="1800"/>
+              <a:defRPr sz="1600"/>
             </a:lvl5pPr>
             <a:lvl6pPr>
-              <a:defRPr sz="1800"/>
+              <a:defRPr sz="1600"/>
             </a:lvl6pPr>
             <a:lvl7pPr>
-              <a:defRPr sz="1800"/>
+              <a:defRPr sz="1600"/>
             </a:lvl7pPr>
             <a:lvl8pPr>
-              <a:defRPr sz="1800"/>
+              <a:defRPr sz="1600"/>
             </a:lvl8pPr>
             <a:lvl9pPr>
-              <a:defRPr sz="1800"/>
+              <a:defRPr sz="1600"/>
             </a:lvl9pPr>
           </a:lstStyle>
           <a:p>
             <a:pPr lvl="0"/>
             <a:r>
-              <a:rPr lang="en-US" smtClean="0"/>
+              <a:rPr lang="en-US"/>
               <a:t>Click to edit Master text styles</a:t>
             </a:r>
           </a:p>
           <a:p>
             <a:pPr lvl="1"/>
             <a:r>
-              <a:rPr lang="en-US" smtClean="0"/>
+              <a:rPr lang="en-US"/>
               <a:t>Second level</a:t>
             </a:r>
           </a:p>
           <a:p>
             <a:pPr lvl="2"/>
             <a:r>
-              <a:rPr lang="en-US" smtClean="0"/>
+              <a:rPr lang="en-US"/>
               <a:t>Third level</a:t>
             </a:r>
           </a:p>
           <a:p>
             <a:pPr lvl="3"/>
             <a:r>
-              <a:rPr lang="en-US" smtClean="0"/>
+              <a:rPr lang="en-US"/>
               <a:t>Fourth level</a:t>
             </a:r>
           </a:p>
           <a:p>
             <a:pPr lvl="4"/>
             <a:r>
-              <a:rPr lang="en-US" smtClean="0"/>
+              <a:rPr lang="en-US"/>
               <a:t>Fifth level</a:t>
             </a:r>
-            <a:endParaRPr lang="en-US"/>
+            <a:endParaRPr lang="en-US" dirty="0"/>
           </a:p>
         </p:txBody>
       </p:sp>
@@ -1348,7 +1795,7 @@
           <a:p>
             <a:fld id="{5BCAD085-E8A6-8845-BD4E-CB4CCA059FC4}" type="datetimeFigureOut">
               <a:rPr lang="en-US" smtClean="0"/>
-              <a:t>1/27/13</a:t>
+              <a:t>4/7/2025</a:t>
             </a:fld>
             <a:endParaRPr lang="en-US"/>
           </a:p>
@@ -1399,7 +1846,7 @@
     </p:spTree>
     <p:extLst>
       <p:ext uri="{BB962C8B-B14F-4D97-AF65-F5344CB8AC3E}">
-        <p14:creationId xmlns:p14="http://schemas.microsoft.com/office/powerpoint/2010/main" val="2782244947"/>
+        <p14:creationId xmlns:p14="http://schemas.microsoft.com/office/powerpoint/2010/main" val="2409779946"/>
       </p:ext>
     </p:extLst>
   </p:cSld>
@@ -1428,7 +1875,7 @@
       </p:grpSpPr>
       <p:sp>
         <p:nvSpPr>
-          <p:cNvPr id="2" name="Title 1"/>
+          <p:cNvPr id="10" name="Title 9"/>
           <p:cNvSpPr>
             <a:spLocks noGrp="1"/>
           </p:cNvSpPr>
@@ -1439,17 +1886,13 @@
         <p:spPr/>
         <p:txBody>
           <a:bodyPr/>
-          <a:lstStyle>
-            <a:lvl1pPr>
-              <a:defRPr/>
-            </a:lvl1pPr>
-          </a:lstStyle>
-          <a:p>
-            <a:r>
-              <a:rPr lang="en-US" smtClean="0"/>
+          <a:lstStyle/>
+          <a:p>
+            <a:r>
+              <a:rPr lang="en-US"/>
               <a:t>Click to edit Master title style</a:t>
             </a:r>
-            <a:endParaRPr lang="en-US"/>
+            <a:endParaRPr lang="en-US" dirty="0"/>
           </a:p>
         </p:txBody>
       </p:sp>
@@ -1465,16 +1908,24 @@
         </p:nvSpPr>
         <p:spPr>
           <a:xfrm>
-            <a:off x="457200" y="1535113"/>
-            <a:ext cx="4040188" cy="639762"/>
+            <a:off x="685800" y="2048256"/>
+            <a:ext cx="3657600" cy="640080"/>
           </a:xfrm>
         </p:spPr>
         <p:txBody>
-          <a:bodyPr anchor="b"/>
+          <a:bodyPr anchor="ctr">
+            <a:normAutofit/>
+          </a:bodyPr>
           <a:lstStyle>
             <a:lvl1pPr marL="0" indent="0">
               <a:buNone/>
-              <a:defRPr sz="2400" b="1"/>
+              <a:defRPr sz="2000" b="1">
+                <a:solidFill>
+                  <a:schemeClr val="accent1">
+                    <a:lumMod val="75000"/>
+                  </a:schemeClr>
+                </a:solidFill>
+              </a:defRPr>
             </a:lvl1pPr>
             <a:lvl2pPr marL="457200" indent="0">
               <a:buNone/>
@@ -1512,7 +1963,7 @@
           <a:p>
             <a:pPr lvl="0"/>
             <a:r>
-              <a:rPr lang="en-US" smtClean="0"/>
+              <a:rPr lang="en-US"/>
               <a:t>Click to edit Master text styles</a:t>
             </a:r>
           </a:p>
@@ -1530,21 +1981,21 @@
         </p:nvSpPr>
         <p:spPr>
           <a:xfrm>
-            <a:off x="457200" y="2174875"/>
-            <a:ext cx="4040188" cy="3951288"/>
+            <a:off x="685800" y="2743200"/>
+            <a:ext cx="3657600" cy="3291840"/>
           </a:xfrm>
         </p:spPr>
         <p:txBody>
           <a:bodyPr/>
           <a:lstStyle>
             <a:lvl1pPr>
-              <a:defRPr sz="2400"/>
+              <a:defRPr sz="2000"/>
             </a:lvl1pPr>
             <a:lvl2pPr>
-              <a:defRPr sz="2000"/>
+              <a:defRPr sz="1800"/>
             </a:lvl2pPr>
             <a:lvl3pPr>
-              <a:defRPr sz="1800"/>
+              <a:defRPr sz="1600"/>
             </a:lvl3pPr>
             <a:lvl4pPr>
               <a:defRPr sz="1600"/>
@@ -1568,38 +2019,38 @@
           <a:p>
             <a:pPr lvl="0"/>
             <a:r>
-              <a:rPr lang="en-US" smtClean="0"/>
+              <a:rPr lang="en-US"/>
               <a:t>Click to edit Master text styles</a:t>
             </a:r>
           </a:p>
           <a:p>
             <a:pPr lvl="1"/>
             <a:r>
-              <a:rPr lang="en-US" smtClean="0"/>
+              <a:rPr lang="en-US"/>
               <a:t>Second level</a:t>
             </a:r>
           </a:p>
           <a:p>
             <a:pPr lvl="2"/>
             <a:r>
-              <a:rPr lang="en-US" smtClean="0"/>
+              <a:rPr lang="en-US"/>
               <a:t>Third level</a:t>
             </a:r>
           </a:p>
           <a:p>
             <a:pPr lvl="3"/>
             <a:r>
-              <a:rPr lang="en-US" smtClean="0"/>
+              <a:rPr lang="en-US"/>
               <a:t>Fourth level</a:t>
             </a:r>
           </a:p>
           <a:p>
             <a:pPr lvl="4"/>
             <a:r>
-              <a:rPr lang="en-US" smtClean="0"/>
+              <a:rPr lang="en-US"/>
               <a:t>Fifth level</a:t>
             </a:r>
-            <a:endParaRPr lang="en-US"/>
+            <a:endParaRPr lang="en-US" dirty="0"/>
           </a:p>
         </p:txBody>
       </p:sp>
@@ -1615,16 +2066,24 @@
         </p:nvSpPr>
         <p:spPr>
           <a:xfrm>
-            <a:off x="4645025" y="1535113"/>
-            <a:ext cx="4041775" cy="639762"/>
+            <a:off x="4820793" y="2048256"/>
+            <a:ext cx="3657600" cy="640080"/>
           </a:xfrm>
         </p:spPr>
         <p:txBody>
-          <a:bodyPr anchor="b"/>
+          <a:bodyPr anchor="ctr">
+            <a:normAutofit/>
+          </a:bodyPr>
           <a:lstStyle>
             <a:lvl1pPr marL="0" indent="0">
               <a:buNone/>
-              <a:defRPr sz="2400" b="1"/>
+              <a:defRPr sz="2000" b="1">
+                <a:solidFill>
+                  <a:schemeClr val="accent1">
+                    <a:lumMod val="75000"/>
+                  </a:schemeClr>
+                </a:solidFill>
+              </a:defRPr>
             </a:lvl1pPr>
             <a:lvl2pPr marL="457200" indent="0">
               <a:buNone/>
@@ -1662,7 +2121,7 @@
           <a:p>
             <a:pPr lvl="0"/>
             <a:r>
-              <a:rPr lang="en-US" smtClean="0"/>
+              <a:rPr lang="en-US"/>
               <a:t>Click to edit Master text styles</a:t>
             </a:r>
           </a:p>
@@ -1680,21 +2139,21 @@
         </p:nvSpPr>
         <p:spPr>
           <a:xfrm>
-            <a:off x="4645025" y="2174875"/>
-            <a:ext cx="4041775" cy="3951288"/>
+            <a:off x="4820793" y="2743200"/>
+            <a:ext cx="3657600" cy="3291840"/>
           </a:xfrm>
         </p:spPr>
         <p:txBody>
           <a:bodyPr/>
           <a:lstStyle>
             <a:lvl1pPr>
-              <a:defRPr sz="2400"/>
+              <a:defRPr sz="2000"/>
             </a:lvl1pPr>
             <a:lvl2pPr>
-              <a:defRPr sz="2000"/>
+              <a:defRPr sz="1800"/>
             </a:lvl2pPr>
             <a:lvl3pPr>
-              <a:defRPr sz="1800"/>
+              <a:defRPr sz="1600"/>
             </a:lvl3pPr>
             <a:lvl4pPr>
               <a:defRPr sz="1600"/>
@@ -1718,38 +2177,38 @@
           <a:p>
             <a:pPr lvl="0"/>
             <a:r>
-              <a:rPr lang="en-US" smtClean="0"/>
+              <a:rPr lang="en-US"/>
               <a:t>Click to edit Master text styles</a:t>
             </a:r>
           </a:p>
           <a:p>
             <a:pPr lvl="1"/>
             <a:r>
-              <a:rPr lang="en-US" smtClean="0"/>
+              <a:rPr lang="en-US"/>
               <a:t>Second level</a:t>
             </a:r>
           </a:p>
           <a:p>
             <a:pPr lvl="2"/>
             <a:r>
-              <a:rPr lang="en-US" smtClean="0"/>
+              <a:rPr lang="en-US"/>
               <a:t>Third level</a:t>
             </a:r>
           </a:p>
           <a:p>
             <a:pPr lvl="3"/>
             <a:r>
-              <a:rPr lang="en-US" smtClean="0"/>
+              <a:rPr lang="en-US"/>
               <a:t>Fourth level</a:t>
             </a:r>
           </a:p>
           <a:p>
             <a:pPr lvl="4"/>
             <a:r>
-              <a:rPr lang="en-US" smtClean="0"/>
+              <a:rPr lang="en-US"/>
               <a:t>Fifth level</a:t>
             </a:r>
-            <a:endParaRPr lang="en-US"/>
+            <a:endParaRPr lang="en-US" dirty="0"/>
           </a:p>
         </p:txBody>
       </p:sp>
@@ -1770,7 +2229,7 @@
           <a:p>
             <a:fld id="{5BCAD085-E8A6-8845-BD4E-CB4CCA059FC4}" type="datetimeFigureOut">
               <a:rPr lang="en-US" smtClean="0"/>
-              <a:t>1/27/13</a:t>
+              <a:t>4/7/2025</a:t>
             </a:fld>
             <a:endParaRPr lang="en-US"/>
           </a:p>
@@ -1821,7 +2280,7 @@
     </p:spTree>
     <p:extLst>
       <p:ext uri="{BB962C8B-B14F-4D97-AF65-F5344CB8AC3E}">
-        <p14:creationId xmlns:p14="http://schemas.microsoft.com/office/powerpoint/2010/main" val="990158736"/>
+        <p14:creationId xmlns:p14="http://schemas.microsoft.com/office/powerpoint/2010/main" val="2348128840"/>
       </p:ext>
     </p:extLst>
   </p:cSld>
@@ -1850,7 +2309,7 @@
       </p:grpSpPr>
       <p:sp>
         <p:nvSpPr>
-          <p:cNvPr id="2" name="Title 1"/>
+          <p:cNvPr id="6" name="Title 5"/>
           <p:cNvSpPr>
             <a:spLocks noGrp="1"/>
           </p:cNvSpPr>
@@ -1864,10 +2323,10 @@
           <a:lstStyle/>
           <a:p>
             <a:r>
-              <a:rPr lang="en-US" smtClean="0"/>
+              <a:rPr lang="en-US"/>
               <a:t>Click to edit Master title style</a:t>
             </a:r>
-            <a:endParaRPr lang="en-US"/>
+            <a:endParaRPr lang="en-US" dirty="0"/>
           </a:p>
         </p:txBody>
       </p:sp>
@@ -1884,11 +2343,21 @@
         <p:spPr/>
         <p:txBody>
           <a:bodyPr/>
-          <a:lstStyle/>
+          <a:lstStyle>
+            <a:lvl1pPr>
+              <a:defRPr>
+                <a:solidFill>
+                  <a:schemeClr val="accent1">
+                    <a:lumMod val="50000"/>
+                  </a:schemeClr>
+                </a:solidFill>
+              </a:defRPr>
+            </a:lvl1pPr>
+          </a:lstStyle>
           <a:p>
             <a:fld id="{5BCAD085-E8A6-8845-BD4E-CB4CCA059FC4}" type="datetimeFigureOut">
               <a:rPr lang="en-US" smtClean="0"/>
-              <a:t>1/27/13</a:t>
+              <a:t>4/7/2025</a:t>
             </a:fld>
             <a:endParaRPr lang="en-US"/>
           </a:p>
@@ -1907,7 +2376,17 @@
         <p:spPr/>
         <p:txBody>
           <a:bodyPr/>
-          <a:lstStyle/>
+          <a:lstStyle>
+            <a:lvl1pPr>
+              <a:defRPr>
+                <a:solidFill>
+                  <a:schemeClr val="accent1">
+                    <a:lumMod val="50000"/>
+                  </a:schemeClr>
+                </a:solidFill>
+              </a:defRPr>
+            </a:lvl1pPr>
+          </a:lstStyle>
           <a:p>
             <a:endParaRPr lang="en-US"/>
           </a:p>
@@ -1939,7 +2418,7 @@
     </p:spTree>
     <p:extLst>
       <p:ext uri="{BB962C8B-B14F-4D97-AF65-F5344CB8AC3E}">
-        <p14:creationId xmlns:p14="http://schemas.microsoft.com/office/powerpoint/2010/main" val="727027711"/>
+        <p14:creationId xmlns:p14="http://schemas.microsoft.com/office/powerpoint/2010/main" val="4099377587"/>
       </p:ext>
     </p:extLst>
   </p:cSld>
@@ -1983,7 +2462,7 @@
           <a:p>
             <a:fld id="{5BCAD085-E8A6-8845-BD4E-CB4CCA059FC4}" type="datetimeFigureOut">
               <a:rPr lang="en-US" smtClean="0"/>
-              <a:t>1/27/13</a:t>
+              <a:t>4/7/2025</a:t>
             </a:fld>
             <a:endParaRPr lang="en-US"/>
           </a:p>
@@ -2034,7 +2513,7 @@
     </p:spTree>
     <p:extLst>
       <p:ext uri="{BB962C8B-B14F-4D97-AF65-F5344CB8AC3E}">
-        <p14:creationId xmlns:p14="http://schemas.microsoft.com/office/powerpoint/2010/main" val="1212999818"/>
+        <p14:creationId xmlns:p14="http://schemas.microsoft.com/office/powerpoint/2010/main" val="236866497"/>
       </p:ext>
     </p:extLst>
   </p:cSld>
@@ -2045,7 +2524,7 @@
 </file>
 
 <file path=ppt/slideLayouts/slideLayout8.xml><?xml version="1.0" encoding="utf-8"?>
-<p:sldLayout xmlns:a="http://schemas.openxmlformats.org/drawingml/2006/main" xmlns:r="http://schemas.openxmlformats.org/officeDocument/2006/relationships" xmlns:p="http://schemas.openxmlformats.org/presentationml/2006/main" type="objTx" preserve="1">
+<p:sldLayout xmlns:a="http://schemas.openxmlformats.org/drawingml/2006/main" xmlns:r="http://schemas.openxmlformats.org/officeDocument/2006/relationships" xmlns:p="http://schemas.openxmlformats.org/presentationml/2006/main" showMasterSp="0" type="objTx" preserve="1">
   <p:cSld name="Content with Caption">
     <p:spTree>
       <p:nvGrpSpPr>
@@ -2063,33 +2542,92 @@
       </p:grpSpPr>
       <p:sp>
         <p:nvSpPr>
-          <p:cNvPr id="2" name="Title 1"/>
-          <p:cNvSpPr>
-            <a:spLocks noGrp="1"/>
-          </p:cNvSpPr>
-          <p:nvPr>
-            <p:ph type="title"/>
-          </p:nvPr>
+          <p:cNvPr id="8" name="Rectangle 7"/>
+          <p:cNvSpPr/>
+          <p:nvPr/>
         </p:nvSpPr>
         <p:spPr>
           <a:xfrm>
-            <a:off x="457200" y="273050"/>
-            <a:ext cx="3008313" cy="1162050"/>
+            <a:off x="6227806" y="1"/>
+            <a:ext cx="2916194" cy="6857999"/>
+          </a:xfrm>
+          <a:prstGeom prst="rect">
+            <a:avLst/>
+          </a:prstGeom>
+          <a:blipFill dpi="0" rotWithShape="1">
+            <a:blip r:embed="rId2">
+              <a:alphaModFix amt="60000"/>
+              <a:lum bright="70000" contrast="-70000"/>
+              <a:extLst>
+                <a:ext uri="{BEBA8EAE-BF5A-486C-A8C5-ECC9F3942E4B}">
+                  <a14:imgProps xmlns:a14="http://schemas.microsoft.com/office/drawing/2010/main">
+                    <a14:imgLayer r:embed="rId3">
+                      <a14:imgEffect>
+                        <a14:sharpenSoften amount="61000"/>
+                      </a14:imgEffect>
+                    </a14:imgLayer>
+                  </a14:imgProps>
+                </a:ext>
+                <a:ext uri="{28A0092B-C50C-407E-A947-70E740481C1C}">
+                  <a14:useLocalDpi xmlns:a14="http://schemas.microsoft.com/office/drawing/2010/main" val="0"/>
+                </a:ext>
+              </a:extLst>
+            </a:blip>
+            <a:srcRect/>
+            <a:tile tx="0" ty="-704850" sx="92000" sy="89000" flip="xy" algn="ctr"/>
+          </a:blipFill>
+          <a:ln>
+            <a:noFill/>
+          </a:ln>
+        </p:spPr>
+        <p:style>
+          <a:lnRef idx="2">
+            <a:schemeClr val="accent1">
+              <a:shade val="50000"/>
+            </a:schemeClr>
+          </a:lnRef>
+          <a:fillRef idx="1">
+            <a:schemeClr val="accent1"/>
+          </a:fillRef>
+          <a:effectRef idx="0">
+            <a:schemeClr val="accent1"/>
+          </a:effectRef>
+          <a:fontRef idx="minor">
+            <a:schemeClr val="lt1"/>
+          </a:fontRef>
+        </p:style>
+      </p:sp>
+      <p:sp>
+        <p:nvSpPr>
+          <p:cNvPr id="2" name="Title 1"/>
+          <p:cNvSpPr>
+            <a:spLocks noGrp="1"/>
+          </p:cNvSpPr>
+          <p:nvPr>
+            <p:ph type="title"/>
+          </p:nvPr>
+        </p:nvSpPr>
+        <p:spPr>
+          <a:xfrm>
+            <a:off x="6412230" y="685800"/>
+            <a:ext cx="2400300" cy="1737360"/>
           </a:xfrm>
         </p:spPr>
         <p:txBody>
-          <a:bodyPr anchor="b"/>
+          <a:bodyPr anchor="b">
+            <a:normAutofit/>
+          </a:bodyPr>
           <a:lstStyle>
-            <a:lvl1pPr algn="l">
-              <a:defRPr sz="2000" b="1"/>
+            <a:lvl1pPr>
+              <a:defRPr sz="2800" b="0"/>
             </a:lvl1pPr>
           </a:lstStyle>
           <a:p>
             <a:r>
-              <a:rPr lang="en-US" smtClean="0"/>
+              <a:rPr lang="en-US"/>
               <a:t>Click to edit Master title style</a:t>
             </a:r>
-            <a:endParaRPr lang="en-US"/>
+            <a:endParaRPr lang="en-US" dirty="0"/>
           </a:p>
         </p:txBody>
       </p:sp>
@@ -2105,76 +2643,76 @@
         </p:nvSpPr>
         <p:spPr>
           <a:xfrm>
-            <a:off x="3575050" y="273050"/>
-            <a:ext cx="5111750" cy="5853113"/>
+            <a:off x="628650" y="685800"/>
+            <a:ext cx="5033772" cy="5020056"/>
           </a:xfrm>
         </p:spPr>
         <p:txBody>
           <a:bodyPr/>
           <a:lstStyle>
             <a:lvl1pPr>
-              <a:defRPr sz="3200"/>
+              <a:defRPr sz="2000"/>
             </a:lvl1pPr>
             <a:lvl2pPr>
-              <a:defRPr sz="2800"/>
+              <a:defRPr sz="1800"/>
             </a:lvl2pPr>
             <a:lvl3pPr>
-              <a:defRPr sz="2400"/>
+              <a:defRPr sz="1600"/>
             </a:lvl3pPr>
             <a:lvl4pPr>
-              <a:defRPr sz="2000"/>
+              <a:defRPr sz="1600"/>
             </a:lvl4pPr>
             <a:lvl5pPr>
-              <a:defRPr sz="2000"/>
+              <a:defRPr sz="1600"/>
             </a:lvl5pPr>
             <a:lvl6pPr>
-              <a:defRPr sz="2000"/>
+              <a:defRPr sz="1600"/>
             </a:lvl6pPr>
             <a:lvl7pPr>
-              <a:defRPr sz="2000"/>
+              <a:defRPr sz="1600"/>
             </a:lvl7pPr>
             <a:lvl8pPr>
-              <a:defRPr sz="2000"/>
+              <a:defRPr sz="1600"/>
             </a:lvl8pPr>
             <a:lvl9pPr>
-              <a:defRPr sz="2000"/>
+              <a:defRPr sz="1600"/>
             </a:lvl9pPr>
           </a:lstStyle>
           <a:p>
             <a:pPr lvl="0"/>
             <a:r>
-              <a:rPr lang="en-US" smtClean="0"/>
+              <a:rPr lang="en-US"/>
               <a:t>Click to edit Master text styles</a:t>
             </a:r>
           </a:p>
           <a:p>
             <a:pPr lvl="1"/>
             <a:r>
-              <a:rPr lang="en-US" smtClean="0"/>
+              <a:rPr lang="en-US"/>
               <a:t>Second level</a:t>
             </a:r>
           </a:p>
           <a:p>
             <a:pPr lvl="2"/>
             <a:r>
-              <a:rPr lang="en-US" smtClean="0"/>
+              <a:rPr lang="en-US"/>
               <a:t>Third level</a:t>
             </a:r>
           </a:p>
           <a:p>
             <a:pPr lvl="3"/>
             <a:r>
-              <a:rPr lang="en-US" smtClean="0"/>
+              <a:rPr lang="en-US"/>
               <a:t>Fourth level</a:t>
             </a:r>
           </a:p>
           <a:p>
             <a:pPr lvl="4"/>
             <a:r>
-              <a:rPr lang="en-US" smtClean="0"/>
+              <a:rPr lang="en-US"/>
               <a:t>Fifth level</a:t>
             </a:r>
-            <a:endParaRPr lang="en-US"/>
+            <a:endParaRPr lang="en-US" dirty="0"/>
           </a:p>
         </p:txBody>
       </p:sp>
@@ -2190,16 +2728,30 @@
         </p:nvSpPr>
         <p:spPr>
           <a:xfrm>
-            <a:off x="457200" y="1435100"/>
-            <a:ext cx="3008313" cy="4691063"/>
+            <a:off x="6412230" y="2423160"/>
+            <a:ext cx="2400300" cy="3291840"/>
           </a:xfrm>
         </p:spPr>
         <p:txBody>
-          <a:bodyPr/>
+          <a:bodyPr>
+            <a:normAutofit/>
+          </a:bodyPr>
           <a:lstStyle>
             <a:lvl1pPr marL="0" indent="0">
-              <a:buNone/>
-              <a:defRPr sz="1400"/>
+              <a:lnSpc>
+                <a:spcPct val="100000"/>
+              </a:lnSpc>
+              <a:spcBef>
+                <a:spcPts val="1000"/>
+              </a:spcBef>
+              <a:buNone/>
+              <a:defRPr sz="1350">
+                <a:solidFill>
+                  <a:schemeClr val="accent1">
+                    <a:lumMod val="50000"/>
+                  </a:schemeClr>
+                </a:solidFill>
+              </a:defRPr>
             </a:lvl1pPr>
             <a:lvl2pPr marL="457200" indent="0">
               <a:buNone/>
@@ -2237,15 +2789,106 @@
           <a:p>
             <a:pPr lvl="0"/>
             <a:r>
-              <a:rPr lang="en-US" smtClean="0"/>
+              <a:rPr lang="en-US"/>
               <a:t>Click to edit Master text styles</a:t>
             </a:r>
           </a:p>
         </p:txBody>
       </p:sp>
-      <p:sp>
-        <p:nvSpPr>
-          <p:cNvPr id="5" name="Date Placeholder 4"/>
+      <p:grpSp>
+        <p:nvGrpSpPr>
+          <p:cNvPr id="12" name="Group 11"/>
+          <p:cNvGrpSpPr/>
+          <p:nvPr/>
+        </p:nvGrpSpPr>
+        <p:grpSpPr>
+          <a:xfrm>
+            <a:off x="8522664" y="6255258"/>
+            <a:ext cx="393192" cy="393192"/>
+            <a:chOff x="8532189" y="5068824"/>
+            <a:chExt cx="393192" cy="393192"/>
+          </a:xfrm>
+        </p:grpSpPr>
+        <p:sp>
+          <p:nvSpPr>
+            <p:cNvPr id="13" name="Oval 12"/>
+            <p:cNvSpPr>
+              <a:spLocks noChangeAspect="1"/>
+            </p:cNvSpPr>
+            <p:nvPr/>
+          </p:nvSpPr>
+          <p:spPr>
+            <a:xfrm>
+              <a:off x="8532189" y="5068824"/>
+              <a:ext cx="393192" cy="393192"/>
+            </a:xfrm>
+            <a:prstGeom prst="ellipse">
+              <a:avLst/>
+            </a:prstGeom>
+            <a:blipFill dpi="0" rotWithShape="1">
+              <a:blip r:embed="rId4">
+                <a:duotone>
+                  <a:schemeClr val="accent1">
+                    <a:shade val="45000"/>
+                    <a:satMod val="135000"/>
+                  </a:schemeClr>
+                  <a:prstClr val="white"/>
+                </a:duotone>
+                <a:extLst>
+                  <a:ext uri="{BEBA8EAE-BF5A-486C-A8C5-ECC9F3942E4B}">
+                    <a14:imgProps xmlns:a14="http://schemas.microsoft.com/office/drawing/2010/main">
+                      <a14:imgLayer r:embed="rId5">
+                        <a14:imgEffect>
+                          <a14:saturation sat="95000"/>
+                        </a14:imgEffect>
+                        <a14:imgEffect>
+                          <a14:brightnessContrast bright="-40000" contrast="20000"/>
+                        </a14:imgEffect>
+                      </a14:imgLayer>
+                    </a14:imgProps>
+                  </a:ext>
+                </a:extLst>
+              </a:blip>
+              <a:srcRect/>
+              <a:tile tx="50800" ty="0" sx="85000" sy="85000" flip="none" algn="tl"/>
+            </a:blipFill>
+            <a:ln w="25400" cap="flat" cmpd="sng" algn="ctr">
+              <a:noFill/>
+              <a:prstDash val="solid"/>
+            </a:ln>
+            <a:effectLst/>
+          </p:spPr>
+        </p:sp>
+        <p:sp>
+          <p:nvSpPr>
+            <p:cNvPr id="14" name="Oval 13"/>
+            <p:cNvSpPr>
+              <a:spLocks noChangeAspect="1"/>
+            </p:cNvSpPr>
+            <p:nvPr/>
+          </p:nvSpPr>
+          <p:spPr>
+            <a:xfrm>
+              <a:off x="8568766" y="5105400"/>
+              <a:ext cx="320039" cy="320040"/>
+            </a:xfrm>
+            <a:prstGeom prst="ellipse">
+              <a:avLst/>
+            </a:prstGeom>
+            <a:noFill/>
+            <a:ln w="12700" cap="flat" cmpd="sng" algn="ctr">
+              <a:solidFill>
+                <a:srgbClr val="FFFFFF"/>
+              </a:solidFill>
+              <a:prstDash val="solid"/>
+            </a:ln>
+            <a:effectLst/>
+          </p:spPr>
+        </p:sp>
+      </p:grpSp>
+      <p:sp>
+        <p:nvSpPr>
+          <p:cNvPr id="9" name="Date Placeholder 8"/>
           <p:cNvSpPr>
             <a:spLocks noGrp="1"/>
           </p:cNvSpPr>
@@ -2260,7 +2903,7 @@
           <a:p>
             <a:fld id="{5BCAD085-E8A6-8845-BD4E-CB4CCA059FC4}" type="datetimeFigureOut">
               <a:rPr lang="en-US" smtClean="0"/>
-              <a:t>1/27/13</a:t>
+              <a:t>4/7/2025</a:t>
             </a:fld>
             <a:endParaRPr lang="en-US"/>
           </a:p>
@@ -2268,7 +2911,7 @@
       </p:sp>
       <p:sp>
         <p:nvSpPr>
-          <p:cNvPr id="6" name="Footer Placeholder 5"/>
+          <p:cNvPr id="10" name="Footer Placeholder 9"/>
           <p:cNvSpPr>
             <a:spLocks noGrp="1"/>
           </p:cNvSpPr>
@@ -2287,7 +2930,7 @@
       </p:sp>
       <p:sp>
         <p:nvSpPr>
-          <p:cNvPr id="7" name="Slide Number Placeholder 6"/>
+          <p:cNvPr id="11" name="Slide Number Placeholder 10"/>
           <p:cNvSpPr>
             <a:spLocks noGrp="1"/>
           </p:cNvSpPr>
@@ -2311,7 +2954,7 @@
     </p:spTree>
     <p:extLst>
       <p:ext uri="{BB962C8B-B14F-4D97-AF65-F5344CB8AC3E}">
-        <p14:creationId xmlns:p14="http://schemas.microsoft.com/office/powerpoint/2010/main" val="1840726560"/>
+        <p14:creationId xmlns:p14="http://schemas.microsoft.com/office/powerpoint/2010/main" val="2794995236"/>
       </p:ext>
     </p:extLst>
   </p:cSld>
@@ -2322,7 +2965,7 @@
 </file>
 
 <file path=ppt/slideLayouts/slideLayout9.xml><?xml version="1.0" encoding="utf-8"?>
-<p:sldLayout xmlns:a="http://schemas.openxmlformats.org/drawingml/2006/main" xmlns:r="http://schemas.openxmlformats.org/officeDocument/2006/relationships" xmlns:p="http://schemas.openxmlformats.org/presentationml/2006/main" type="picTx" preserve="1">
+<p:sldLayout xmlns:a="http://schemas.openxmlformats.org/drawingml/2006/main" xmlns:r="http://schemas.openxmlformats.org/officeDocument/2006/relationships" xmlns:p="http://schemas.openxmlformats.org/presentationml/2006/main" showMasterSp="0" type="picTx" preserve="1">
   <p:cSld name="Picture with Caption">
     <p:spTree>
       <p:nvGrpSpPr>
@@ -2340,33 +2983,92 @@
       </p:grpSpPr>
       <p:sp>
         <p:nvSpPr>
-          <p:cNvPr id="2" name="Title 1"/>
-          <p:cNvSpPr>
-            <a:spLocks noGrp="1"/>
-          </p:cNvSpPr>
-          <p:nvPr>
-            <p:ph type="title"/>
-          </p:nvPr>
+          <p:cNvPr id="11" name="Rectangle 10"/>
+          <p:cNvSpPr/>
+          <p:nvPr/>
         </p:nvSpPr>
         <p:spPr>
           <a:xfrm>
-            <a:off x="1792288" y="4800600"/>
-            <a:ext cx="5486400" cy="566738"/>
+            <a:off x="6227806" y="1"/>
+            <a:ext cx="2916194" cy="6857999"/>
+          </a:xfrm>
+          <a:prstGeom prst="rect">
+            <a:avLst/>
+          </a:prstGeom>
+          <a:blipFill dpi="0" rotWithShape="1">
+            <a:blip r:embed="rId2">
+              <a:alphaModFix amt="60000"/>
+              <a:lum bright="70000" contrast="-70000"/>
+              <a:extLst>
+                <a:ext uri="{BEBA8EAE-BF5A-486C-A8C5-ECC9F3942E4B}">
+                  <a14:imgProps xmlns:a14="http://schemas.microsoft.com/office/drawing/2010/main">
+                    <a14:imgLayer r:embed="rId3">
+                      <a14:imgEffect>
+                        <a14:sharpenSoften amount="61000"/>
+                      </a14:imgEffect>
+                    </a14:imgLayer>
+                  </a14:imgProps>
+                </a:ext>
+                <a:ext uri="{28A0092B-C50C-407E-A947-70E740481C1C}">
+                  <a14:useLocalDpi xmlns:a14="http://schemas.microsoft.com/office/drawing/2010/main" val="0"/>
+                </a:ext>
+              </a:extLst>
+            </a:blip>
+            <a:srcRect/>
+            <a:tile tx="0" ty="-704850" sx="92000" sy="89000" flip="xy" algn="ctr"/>
+          </a:blipFill>
+          <a:ln>
+            <a:noFill/>
+          </a:ln>
+        </p:spPr>
+        <p:style>
+          <a:lnRef idx="2">
+            <a:schemeClr val="accent1">
+              <a:shade val="50000"/>
+            </a:schemeClr>
+          </a:lnRef>
+          <a:fillRef idx="1">
+            <a:schemeClr val="accent1"/>
+          </a:fillRef>
+          <a:effectRef idx="0">
+            <a:schemeClr val="accent1"/>
+          </a:effectRef>
+          <a:fontRef idx="minor">
+            <a:schemeClr val="lt1"/>
+          </a:fontRef>
+        </p:style>
+      </p:sp>
+      <p:sp>
+        <p:nvSpPr>
+          <p:cNvPr id="2" name="Title 1"/>
+          <p:cNvSpPr>
+            <a:spLocks noGrp="1"/>
+          </p:cNvSpPr>
+          <p:nvPr>
+            <p:ph type="title"/>
+          </p:nvPr>
+        </p:nvSpPr>
+        <p:spPr>
+          <a:xfrm>
+            <a:off x="6412230" y="685800"/>
+            <a:ext cx="2400300" cy="1737360"/>
           </a:xfrm>
         </p:spPr>
         <p:txBody>
-          <a:bodyPr anchor="b"/>
+          <a:bodyPr anchor="b">
+            <a:normAutofit/>
+          </a:bodyPr>
           <a:lstStyle>
-            <a:lvl1pPr algn="l">
-              <a:defRPr sz="2000" b="1"/>
+            <a:lvl1pPr>
+              <a:defRPr sz="2800" b="0"/>
             </a:lvl1pPr>
           </a:lstStyle>
           <a:p>
             <a:r>
-              <a:rPr lang="en-US" smtClean="0"/>
+              <a:rPr lang="en-US"/>
               <a:t>Click to edit Master title style</a:t>
             </a:r>
-            <a:endParaRPr lang="en-US"/>
+            <a:endParaRPr lang="en-US" dirty="0"/>
           </a:p>
         </p:txBody>
       </p:sp>
@@ -2374,7 +3076,7 @@
         <p:nvSpPr>
           <p:cNvPr id="3" name="Picture Placeholder 2"/>
           <p:cNvSpPr>
-            <a:spLocks noGrp="1"/>
+            <a:spLocks noGrp="1" noChangeAspect="1"/>
           </p:cNvSpPr>
           <p:nvPr>
             <p:ph type="pic" idx="1"/>
@@ -2382,12 +3084,18 @@
         </p:nvSpPr>
         <p:spPr>
           <a:xfrm>
-            <a:off x="1792288" y="612775"/>
-            <a:ext cx="5486400" cy="4114800"/>
+            <a:off x="0" y="0"/>
+            <a:ext cx="6227805" cy="6858000"/>
           </a:xfrm>
+          <a:solidFill>
+            <a:schemeClr val="tx2">
+              <a:lumMod val="20000"/>
+              <a:lumOff val="80000"/>
+            </a:schemeClr>
+          </a:solidFill>
         </p:spPr>
         <p:txBody>
-          <a:bodyPr/>
+          <a:bodyPr anchor="t"/>
           <a:lstStyle>
             <a:lvl1pPr marL="0" indent="0">
               <a:buNone/>
@@ -2427,7 +3135,11 @@
             </a:lvl9pPr>
           </a:lstStyle>
           <a:p>
-            <a:endParaRPr lang="en-US"/>
+            <a:r>
+              <a:rPr lang="en-US"/>
+              <a:t>Click icon to add picture</a:t>
+            </a:r>
+            <a:endParaRPr lang="en-US" dirty="0"/>
           </a:p>
         </p:txBody>
       </p:sp>
@@ -2443,16 +3155,30 @@
         </p:nvSpPr>
         <p:spPr>
           <a:xfrm>
-            <a:off x="1792288" y="5367338"/>
-            <a:ext cx="5486400" cy="804862"/>
+            <a:off x="6412230" y="2423160"/>
+            <a:ext cx="2400300" cy="3291840"/>
           </a:xfrm>
         </p:spPr>
         <p:txBody>
-          <a:bodyPr/>
+          <a:bodyPr>
+            <a:normAutofit/>
+          </a:bodyPr>
           <a:lstStyle>
             <a:lvl1pPr marL="0" indent="0">
-              <a:buNone/>
-              <a:defRPr sz="1400"/>
+              <a:lnSpc>
+                <a:spcPct val="100000"/>
+              </a:lnSpc>
+              <a:spcBef>
+                <a:spcPts val="1000"/>
+              </a:spcBef>
+              <a:buNone/>
+              <a:defRPr sz="1350">
+                <a:solidFill>
+                  <a:schemeClr val="accent1">
+                    <a:lumMod val="50000"/>
+                  </a:schemeClr>
+                </a:solidFill>
+              </a:defRPr>
             </a:lvl1pPr>
             <a:lvl2pPr marL="457200" indent="0">
               <a:buNone/>
@@ -2490,15 +3216,106 @@
           <a:p>
             <a:pPr lvl="0"/>
             <a:r>
-              <a:rPr lang="en-US" smtClean="0"/>
+              <a:rPr lang="en-US"/>
               <a:t>Click to edit Master text styles</a:t>
             </a:r>
           </a:p>
         </p:txBody>
       </p:sp>
-      <p:sp>
-        <p:nvSpPr>
-          <p:cNvPr id="5" name="Date Placeholder 4"/>
+      <p:grpSp>
+        <p:nvGrpSpPr>
+          <p:cNvPr id="12" name="Group 11"/>
+          <p:cNvGrpSpPr/>
+          <p:nvPr/>
+        </p:nvGrpSpPr>
+        <p:grpSpPr>
+          <a:xfrm>
+            <a:off x="8522664" y="6255258"/>
+            <a:ext cx="393192" cy="393192"/>
+            <a:chOff x="8532189" y="5068824"/>
+            <a:chExt cx="393192" cy="393192"/>
+          </a:xfrm>
+        </p:grpSpPr>
+        <p:sp>
+          <p:nvSpPr>
+            <p:cNvPr id="13" name="Oval 12"/>
+            <p:cNvSpPr>
+              <a:spLocks noChangeAspect="1"/>
+            </p:cNvSpPr>
+            <p:nvPr/>
+          </p:nvSpPr>
+          <p:spPr>
+            <a:xfrm>
+              <a:off x="8532189" y="5068824"/>
+              <a:ext cx="393192" cy="393192"/>
+            </a:xfrm>
+            <a:prstGeom prst="ellipse">
+              <a:avLst/>
+            </a:prstGeom>
+            <a:blipFill dpi="0" rotWithShape="1">
+              <a:blip r:embed="rId4">
+                <a:duotone>
+                  <a:schemeClr val="accent1">
+                    <a:shade val="45000"/>
+                    <a:satMod val="135000"/>
+                  </a:schemeClr>
+                  <a:prstClr val="white"/>
+                </a:duotone>
+                <a:extLst>
+                  <a:ext uri="{BEBA8EAE-BF5A-486C-A8C5-ECC9F3942E4B}">
+                    <a14:imgProps xmlns:a14="http://schemas.microsoft.com/office/drawing/2010/main">
+                      <a14:imgLayer r:embed="rId5">
+                        <a14:imgEffect>
+                          <a14:saturation sat="95000"/>
+                        </a14:imgEffect>
+                        <a14:imgEffect>
+                          <a14:brightnessContrast bright="-40000" contrast="20000"/>
+                        </a14:imgEffect>
+                      </a14:imgLayer>
+                    </a14:imgProps>
+                  </a:ext>
+                </a:extLst>
+              </a:blip>
+              <a:srcRect/>
+              <a:tile tx="50800" ty="0" sx="85000" sy="85000" flip="none" algn="tl"/>
+            </a:blipFill>
+            <a:ln w="25400" cap="flat" cmpd="sng" algn="ctr">
+              <a:noFill/>
+              <a:prstDash val="solid"/>
+            </a:ln>
+            <a:effectLst/>
+          </p:spPr>
+        </p:sp>
+        <p:sp>
+          <p:nvSpPr>
+            <p:cNvPr id="14" name="Oval 13"/>
+            <p:cNvSpPr>
+              <a:spLocks noChangeAspect="1"/>
+            </p:cNvSpPr>
+            <p:nvPr/>
+          </p:nvSpPr>
+          <p:spPr>
+            <a:xfrm>
+              <a:off x="8568766" y="5105400"/>
+              <a:ext cx="320039" cy="320040"/>
+            </a:xfrm>
+            <a:prstGeom prst="ellipse">
+              <a:avLst/>
+            </a:prstGeom>
+            <a:noFill/>
+            <a:ln w="12700" cap="flat" cmpd="sng" algn="ctr">
+              <a:solidFill>
+                <a:srgbClr val="FFFFFF"/>
+              </a:solidFill>
+              <a:prstDash val="solid"/>
+            </a:ln>
+            <a:effectLst/>
+          </p:spPr>
+        </p:sp>
+      </p:grpSp>
+      <p:sp>
+        <p:nvSpPr>
+          <p:cNvPr id="8" name="Date Placeholder 7"/>
           <p:cNvSpPr>
             <a:spLocks noGrp="1"/>
           </p:cNvSpPr>
@@ -2513,7 +3330,7 @@
           <a:p>
             <a:fld id="{5BCAD085-E8A6-8845-BD4E-CB4CCA059FC4}" type="datetimeFigureOut">
               <a:rPr lang="en-US" smtClean="0"/>
-              <a:t>1/27/13</a:t>
+              <a:t>4/7/2025</a:t>
             </a:fld>
             <a:endParaRPr lang="en-US"/>
           </a:p>
@@ -2521,26 +3338,7 @@
       </p:sp>
       <p:sp>
         <p:nvSpPr>
-          <p:cNvPr id="6" name="Footer Placeholder 5"/>
-          <p:cNvSpPr>
-            <a:spLocks noGrp="1"/>
-          </p:cNvSpPr>
-          <p:nvPr>
-            <p:ph type="ftr" sz="quarter" idx="11"/>
-          </p:nvPr>
-        </p:nvSpPr>
-        <p:spPr/>
-        <p:txBody>
-          <a:bodyPr/>
-          <a:lstStyle/>
-          <a:p>
-            <a:endParaRPr lang="en-US"/>
-          </a:p>
-        </p:txBody>
-      </p:sp>
-      <p:sp>
-        <p:nvSpPr>
-          <p:cNvPr id="7" name="Slide Number Placeholder 6"/>
+          <p:cNvPr id="10" name="Slide Number Placeholder 9"/>
           <p:cNvSpPr>
             <a:spLocks noGrp="1"/>
           </p:cNvSpPr>
@@ -2564,7 +3362,7 @@
     </p:spTree>
     <p:extLst>
       <p:ext uri="{BB962C8B-B14F-4D97-AF65-F5344CB8AC3E}">
-        <p14:creationId xmlns:p14="http://schemas.microsoft.com/office/powerpoint/2010/main" val="3889236939"/>
+        <p14:creationId xmlns:p14="http://schemas.microsoft.com/office/powerpoint/2010/main" val="1351287557"/>
       </p:ext>
     </p:extLst>
   </p:cSld>
@@ -2596,6 +3394,97 @@
           <a:chExt cx="0" cy="0"/>
         </a:xfrm>
       </p:grpSpPr>
+      <p:grpSp>
+        <p:nvGrpSpPr>
+          <p:cNvPr id="12" name="Group 11"/>
+          <p:cNvGrpSpPr/>
+          <p:nvPr/>
+        </p:nvGrpSpPr>
+        <p:grpSpPr>
+          <a:xfrm>
+            <a:off x="8522664" y="6255258"/>
+            <a:ext cx="393192" cy="393192"/>
+            <a:chOff x="8532189" y="5068824"/>
+            <a:chExt cx="393192" cy="393192"/>
+          </a:xfrm>
+        </p:grpSpPr>
+        <p:sp>
+          <p:nvSpPr>
+            <p:cNvPr id="8" name="Oval 7"/>
+            <p:cNvSpPr>
+              <a:spLocks noChangeAspect="1"/>
+            </p:cNvSpPr>
+            <p:nvPr/>
+          </p:nvSpPr>
+          <p:spPr>
+            <a:xfrm>
+              <a:off x="8532189" y="5068824"/>
+              <a:ext cx="393192" cy="393192"/>
+            </a:xfrm>
+            <a:prstGeom prst="ellipse">
+              <a:avLst/>
+            </a:prstGeom>
+            <a:blipFill dpi="0" rotWithShape="1">
+              <a:blip r:embed="rId13">
+                <a:duotone>
+                  <a:schemeClr val="accent1">
+                    <a:shade val="45000"/>
+                    <a:satMod val="135000"/>
+                  </a:schemeClr>
+                  <a:prstClr val="white"/>
+                </a:duotone>
+                <a:extLst>
+                  <a:ext uri="{BEBA8EAE-BF5A-486C-A8C5-ECC9F3942E4B}">
+                    <a14:imgProps xmlns:a14="http://schemas.microsoft.com/office/drawing/2010/main">
+                      <a14:imgLayer r:embed="rId14">
+                        <a14:imgEffect>
+                          <a14:saturation sat="95000"/>
+                        </a14:imgEffect>
+                        <a14:imgEffect>
+                          <a14:brightnessContrast bright="-40000" contrast="20000"/>
+                        </a14:imgEffect>
+                      </a14:imgLayer>
+                    </a14:imgProps>
+                  </a:ext>
+                </a:extLst>
+              </a:blip>
+              <a:srcRect/>
+              <a:tile tx="50800" ty="0" sx="85000" sy="85000" flip="none" algn="tl"/>
+            </a:blipFill>
+            <a:ln w="25400" cap="flat" cmpd="sng" algn="ctr">
+              <a:noFill/>
+              <a:prstDash val="solid"/>
+            </a:ln>
+            <a:effectLst/>
+          </p:spPr>
+        </p:sp>
+        <p:sp>
+          <p:nvSpPr>
+            <p:cNvPr id="9" name="Oval 8"/>
+            <p:cNvSpPr>
+              <a:spLocks noChangeAspect="1"/>
+            </p:cNvSpPr>
+            <p:nvPr/>
+          </p:nvSpPr>
+          <p:spPr>
+            <a:xfrm>
+              <a:off x="8568766" y="5105400"/>
+              <a:ext cx="320039" cy="320040"/>
+            </a:xfrm>
+            <a:prstGeom prst="ellipse">
+              <a:avLst/>
+            </a:prstGeom>
+            <a:noFill/>
+            <a:ln w="12700" cap="flat" cmpd="sng" algn="ctr">
+              <a:solidFill>
+                <a:srgbClr val="FFFFFF"/>
+              </a:solidFill>
+              <a:prstDash val="solid"/>
+            </a:ln>
+            <a:effectLst/>
+          </p:spPr>
+        </p:sp>
+      </p:grpSp>
       <p:sp>
         <p:nvSpPr>
           <p:cNvPr id="2" name="Title Placeholder 1"/>
@@ -2608,8 +3497,8 @@
         </p:nvSpPr>
         <p:spPr>
           <a:xfrm>
-            <a:off x="457200" y="274638"/>
-            <a:ext cx="8229600" cy="1143000"/>
+            <a:off x="685800" y="484632"/>
+            <a:ext cx="7772400" cy="1609344"/>
           </a:xfrm>
           <a:prstGeom prst="rect">
             <a:avLst/>
@@ -2622,10 +3511,10 @@
           <a:lstStyle/>
           <a:p>
             <a:r>
-              <a:rPr lang="en-US" smtClean="0"/>
+              <a:rPr lang="en-US"/>
               <a:t>Click to edit Master title style</a:t>
             </a:r>
-            <a:endParaRPr lang="en-US"/>
+            <a:endParaRPr lang="en-US" dirty="0"/>
           </a:p>
         </p:txBody>
       </p:sp>
@@ -2641,8 +3530,8 @@
         </p:nvSpPr>
         <p:spPr>
           <a:xfrm>
-            <a:off x="457200" y="1600200"/>
-            <a:ext cx="8229600" cy="4525963"/>
+            <a:off x="685800" y="2121408"/>
+            <a:ext cx="7772400" cy="4050792"/>
           </a:xfrm>
           <a:prstGeom prst="rect">
             <a:avLst/>
@@ -2656,38 +3545,38 @@
           <a:p>
             <a:pPr lvl="0"/>
             <a:r>
-              <a:rPr lang="en-US" smtClean="0"/>
+              <a:rPr lang="en-US"/>
               <a:t>Click to edit Master text styles</a:t>
             </a:r>
           </a:p>
           <a:p>
             <a:pPr lvl="1"/>
             <a:r>
-              <a:rPr lang="en-US" smtClean="0"/>
+              <a:rPr lang="en-US"/>
               <a:t>Second level</a:t>
             </a:r>
           </a:p>
           <a:p>
             <a:pPr lvl="2"/>
             <a:r>
-              <a:rPr lang="en-US" smtClean="0"/>
+              <a:rPr lang="en-US"/>
               <a:t>Third level</a:t>
             </a:r>
           </a:p>
           <a:p>
             <a:pPr lvl="3"/>
             <a:r>
-              <a:rPr lang="en-US" smtClean="0"/>
+              <a:rPr lang="en-US"/>
               <a:t>Fourth level</a:t>
             </a:r>
           </a:p>
           <a:p>
             <a:pPr lvl="4"/>
             <a:r>
-              <a:rPr lang="en-US" smtClean="0"/>
+              <a:rPr lang="en-US"/>
               <a:t>Fifth level</a:t>
             </a:r>
-            <a:endParaRPr lang="en-US"/>
+            <a:endParaRPr lang="en-US" dirty="0"/>
           </a:p>
         </p:txBody>
       </p:sp>
@@ -2703,8 +3592,8 @@
         </p:nvSpPr>
         <p:spPr>
           <a:xfrm>
-            <a:off x="457200" y="6356350"/>
-            <a:ext cx="2133600" cy="365125"/>
+            <a:off x="5992368" y="6272785"/>
+            <a:ext cx="2455164" cy="365125"/>
           </a:xfrm>
           <a:prstGeom prst="rect">
             <a:avLst/>
@@ -2713,11 +3602,11 @@
         <p:txBody>
           <a:bodyPr vert="horz" lIns="91440" tIns="45720" rIns="91440" bIns="45720" rtlCol="0" anchor="ctr"/>
           <a:lstStyle>
-            <a:lvl1pPr algn="l">
-              <a:defRPr sz="1200">
+            <a:lvl1pPr algn="r">
+              <a:defRPr sz="1000">
                 <a:solidFill>
-                  <a:schemeClr val="tx1">
-                    <a:tint val="75000"/>
+                  <a:schemeClr val="accent1">
+                    <a:lumMod val="50000"/>
                   </a:schemeClr>
                 </a:solidFill>
               </a:defRPr>
@@ -2726,7 +3615,7 @@
           <a:p>
             <a:fld id="{5BCAD085-E8A6-8845-BD4E-CB4CCA059FC4}" type="datetimeFigureOut">
               <a:rPr lang="en-US" smtClean="0"/>
-              <a:t>1/27/13</a:t>
+              <a:t>4/7/2025</a:t>
             </a:fld>
             <a:endParaRPr lang="en-US"/>
           </a:p>
@@ -2744,8 +3633,8 @@
         </p:nvSpPr>
         <p:spPr>
           <a:xfrm>
-            <a:off x="3124200" y="6356350"/>
-            <a:ext cx="2895600" cy="365125"/>
+            <a:off x="685800" y="6272785"/>
+            <a:ext cx="4745736" cy="365125"/>
           </a:xfrm>
           <a:prstGeom prst="rect">
             <a:avLst/>
@@ -2754,11 +3643,11 @@
         <p:txBody>
           <a:bodyPr vert="horz" lIns="91440" tIns="45720" rIns="91440" bIns="45720" rtlCol="0" anchor="ctr"/>
           <a:lstStyle>
-            <a:lvl1pPr algn="ctr">
-              <a:defRPr sz="1200">
+            <a:lvl1pPr algn="l">
+              <a:defRPr sz="1000">
                 <a:solidFill>
-                  <a:schemeClr val="tx1">
-                    <a:tint val="75000"/>
+                  <a:schemeClr val="accent1">
+                    <a:lumMod val="50000"/>
                   </a:schemeClr>
                 </a:solidFill>
               </a:defRPr>
@@ -2781,8 +3670,8 @@
         </p:nvSpPr>
         <p:spPr>
           <a:xfrm>
-            <a:off x="6553200" y="6356350"/>
-            <a:ext cx="2133600" cy="365125"/>
+            <a:off x="8483346" y="6272785"/>
+            <a:ext cx="480060" cy="365125"/>
           </a:xfrm>
           <a:prstGeom prst="rect">
             <a:avLst/>
@@ -2791,13 +3680,12 @@
         <p:txBody>
           <a:bodyPr vert="horz" lIns="91440" tIns="45720" rIns="91440" bIns="45720" rtlCol="0" anchor="ctr"/>
           <a:lstStyle>
-            <a:lvl1pPr algn="r">
-              <a:defRPr sz="1200">
+            <a:lvl1pPr algn="ctr">
+              <a:defRPr sz="1100" b="1" spc="-70" baseline="0">
                 <a:solidFill>
-                  <a:schemeClr val="tx1">
-                    <a:tint val="75000"/>
-                  </a:schemeClr>
+                  <a:srgbClr val="FFFFFF"/>
                 </a:solidFill>
+                <a:latin typeface="+mn-lt"/>
               </a:defRPr>
             </a:lvl1pPr>
           </a:lstStyle>
@@ -2810,38 +3698,144 @@
           </a:p>
         </p:txBody>
       </p:sp>
+      <p:sp>
+        <p:nvSpPr>
+          <p:cNvPr id="7" name="TextBox 6">
+            <a:extLst>
+              <a:ext uri="{FF2B5EF4-FFF2-40B4-BE49-F238E27FC236}">
+                <a16:creationId xmlns:a16="http://schemas.microsoft.com/office/drawing/2014/main" id="{08F6F6DB-FAFD-A7F8-5E09-2048F2A17202}"/>
+              </a:ext>
+            </a:extLst>
+          </p:cNvPr>
+          <p:cNvSpPr txBox="1"/>
+          <p:nvPr userDrawn="1">
+            <p:extLst>
+              <p:ext uri="{1162E1C5-73C7-4A58-AE30-91384D911F3F}">
+                <p184:classification xmlns:p184="http://schemas.microsoft.com/office/powerpoint/2018/4/main" val="hdr"/>
+              </p:ext>
+            </p:extLst>
+          </p:nvPr>
+        </p:nvSpPr>
+        <p:spPr>
+          <a:xfrm>
+            <a:off x="63500" y="63500"/>
+            <a:ext cx="1636713" cy="152400"/>
+          </a:xfrm>
+          <a:prstGeom prst="rect">
+            <a:avLst/>
+          </a:prstGeom>
+        </p:spPr>
+        <p:txBody>
+          <a:bodyPr horzOverflow="overflow" lIns="0" tIns="0" rIns="0" bIns="0">
+            <a:spAutoFit/>
+          </a:bodyPr>
+          <a:lstStyle/>
+          <a:p>
+            <a:pPr algn="l"/>
+            <a:r>
+              <a:rPr lang="en-IN" sz="1000">
+                <a:solidFill>
+                  <a:srgbClr val="000000"/>
+                </a:solidFill>
+                <a:latin typeface="Calibri" panose="020F0502020204030204" pitchFamily="34" charset="0"/>
+                <a:ea typeface="Calibri" panose="020F0502020204030204" pitchFamily="34" charset="0"/>
+                <a:cs typeface="Calibri" panose="020F0502020204030204" pitchFamily="34" charset="0"/>
+              </a:rPr>
+              <a:t>Confidential - Oracle Restricted</a:t>
+            </a:r>
+          </a:p>
+        </p:txBody>
+      </p:sp>
+      <p:sp>
+        <p:nvSpPr>
+          <p:cNvPr id="10" name="TextBox 9">
+            <a:extLst>
+              <a:ext uri="{FF2B5EF4-FFF2-40B4-BE49-F238E27FC236}">
+                <a16:creationId xmlns:a16="http://schemas.microsoft.com/office/drawing/2014/main" id="{7E4E6666-BBB1-BFAC-2DD7-8CE5BBE1A62C}"/>
+              </a:ext>
+            </a:extLst>
+          </p:cNvPr>
+          <p:cNvSpPr txBox="1"/>
+          <p:nvPr userDrawn="1">
+            <p:extLst>
+              <p:ext uri="{1162E1C5-73C7-4A58-AE30-91384D911F3F}">
+                <p184:classification xmlns:p184="http://schemas.microsoft.com/office/powerpoint/2018/4/main" val="ftr"/>
+              </p:ext>
+            </p:extLst>
+          </p:nvPr>
+        </p:nvSpPr>
+        <p:spPr>
+          <a:xfrm>
+            <a:off x="63500" y="6642100"/>
+            <a:ext cx="1636713" cy="152400"/>
+          </a:xfrm>
+          <a:prstGeom prst="rect">
+            <a:avLst/>
+          </a:prstGeom>
+        </p:spPr>
+        <p:txBody>
+          <a:bodyPr horzOverflow="overflow" lIns="0" tIns="0" rIns="0" bIns="0">
+            <a:spAutoFit/>
+          </a:bodyPr>
+          <a:lstStyle/>
+          <a:p>
+            <a:pPr algn="l"/>
+            <a:r>
+              <a:rPr lang="en-IN" sz="1000">
+                <a:solidFill>
+                  <a:srgbClr val="000000"/>
+                </a:solidFill>
+                <a:latin typeface="Calibri" panose="020F0502020204030204" pitchFamily="34" charset="0"/>
+                <a:ea typeface="Calibri" panose="020F0502020204030204" pitchFamily="34" charset="0"/>
+                <a:cs typeface="Calibri" panose="020F0502020204030204" pitchFamily="34" charset="0"/>
+              </a:rPr>
+              <a:t>Confidential - Oracle Restricted</a:t>
+            </a:r>
+          </a:p>
+        </p:txBody>
+      </p:sp>
     </p:spTree>
     <p:extLst>
       <p:ext uri="{BB962C8B-B14F-4D97-AF65-F5344CB8AC3E}">
-        <p14:creationId xmlns:p14="http://schemas.microsoft.com/office/powerpoint/2010/main" val="2209977519"/>
+        <p14:creationId xmlns:p14="http://schemas.microsoft.com/office/powerpoint/2010/main" val="1019747648"/>
       </p:ext>
     </p:extLst>
   </p:cSld>
   <p:clrMap bg1="lt1" tx1="dk1" bg2="lt2" tx2="dk2" accent1="accent1" accent2="accent2" accent3="accent3" accent4="accent4" accent5="accent5" accent6="accent6" hlink="hlink" folHlink="folHlink"/>
   <p:sldLayoutIdLst>
-    <p:sldLayoutId id="2147483649" r:id="rId1"/>
-    <p:sldLayoutId id="2147483650" r:id="rId2"/>
-    <p:sldLayoutId id="2147483651" r:id="rId3"/>
-    <p:sldLayoutId id="2147483652" r:id="rId4"/>
-    <p:sldLayoutId id="2147483653" r:id="rId5"/>
-    <p:sldLayoutId id="2147483654" r:id="rId6"/>
-    <p:sldLayoutId id="2147483655" r:id="rId7"/>
-    <p:sldLayoutId id="2147483656" r:id="rId8"/>
-    <p:sldLayoutId id="2147483657" r:id="rId9"/>
-    <p:sldLayoutId id="2147483658" r:id="rId10"/>
-    <p:sldLayoutId id="2147483659" r:id="rId11"/>
+    <p:sldLayoutId id="2147483661" r:id="rId1"/>
+    <p:sldLayoutId id="2147483662" r:id="rId2"/>
+    <p:sldLayoutId id="2147483663" r:id="rId3"/>
+    <p:sldLayoutId id="2147483664" r:id="rId4"/>
+    <p:sldLayoutId id="2147483665" r:id="rId5"/>
+    <p:sldLayoutId id="2147483666" r:id="rId6"/>
+    <p:sldLayoutId id="2147483667" r:id="rId7"/>
+    <p:sldLayoutId id="2147483668" r:id="rId8"/>
+    <p:sldLayoutId id="2147483669" r:id="rId9"/>
+    <p:sldLayoutId id="2147483670" r:id="rId10"/>
+    <p:sldLayoutId id="2147483671" r:id="rId11"/>
   </p:sldLayoutIdLst>
   <p:txStyles>
     <p:titleStyle>
-      <a:lvl1pPr algn="ctr" defTabSz="457200" rtl="0" eaLnBrk="1" latinLnBrk="0" hangingPunct="1">
+      <a:lvl1pPr algn="l" defTabSz="914400" rtl="0" eaLnBrk="1" latinLnBrk="0" hangingPunct="1">
+        <a:lnSpc>
+          <a:spcPct val="90000"/>
+        </a:lnSpc>
         <a:spcBef>
           <a:spcPct val="0"/>
         </a:spcBef>
         <a:buNone/>
-        <a:defRPr sz="4400" kern="1200">
-          <a:solidFill>
-            <a:schemeClr val="tx1"/>
-          </a:solidFill>
+        <a:defRPr sz="4200" b="0" kern="1200" cap="all" baseline="0">
+          <a:blipFill>
+            <a:blip r:embed="rId15">
+              <a:extLst>
+                <a:ext uri="{28A0092B-C50C-407E-A947-70E740481C1C}">
+                  <a14:useLocalDpi xmlns:a14="http://schemas.microsoft.com/office/drawing/2010/main" val="0"/>
+                </a:ext>
+              </a:extLst>
+            </a:blip>
+            <a:tile tx="6350" ty="-127000" sx="65000" sy="64000" flip="none" algn="tl"/>
+          </a:blipFill>
           <a:latin typeface="+mj-lt"/>
           <a:ea typeface="+mj-ea"/>
           <a:cs typeface="+mj-cs"/>
@@ -2849,13 +3843,22 @@
       </a:lvl1pPr>
     </p:titleStyle>
     <p:bodyStyle>
-      <a:lvl1pPr marL="342900" indent="-342900" algn="l" defTabSz="457200" rtl="0" eaLnBrk="1" latinLnBrk="0" hangingPunct="1">
+      <a:lvl1pPr marL="182880" indent="-182880" algn="l" defTabSz="914400" rtl="0" eaLnBrk="1" latinLnBrk="0" hangingPunct="1">
+        <a:lnSpc>
+          <a:spcPct val="90000"/>
+        </a:lnSpc>
         <a:spcBef>
-          <a:spcPct val="20000"/>
+          <a:spcPts val="1200"/>
         </a:spcBef>
-        <a:buFont typeface="Arial"/>
-        <a:buChar char="•"/>
-        <a:defRPr sz="3200" kern="1200">
+        <a:buClr>
+          <a:schemeClr val="accent1">
+            <a:lumMod val="75000"/>
+          </a:schemeClr>
+        </a:buClr>
+        <a:buSzPct val="85000"/>
+        <a:buFont typeface="Wingdings" pitchFamily="2" charset="2"/>
+        <a:buChar char="§"/>
+        <a:defRPr sz="2000" kern="1200">
           <a:solidFill>
             <a:schemeClr val="tx1"/>
           </a:solidFill>
@@ -2864,13 +3867,25 @@
           <a:cs typeface="+mn-cs"/>
         </a:defRPr>
       </a:lvl1pPr>
-      <a:lvl2pPr marL="742950" indent="-285750" algn="l" defTabSz="457200" rtl="0" eaLnBrk="1" latinLnBrk="0" hangingPunct="1">
+      <a:lvl2pPr marL="457200" indent="-182880" algn="l" defTabSz="914400" rtl="0" eaLnBrk="1" latinLnBrk="0" hangingPunct="1">
+        <a:lnSpc>
+          <a:spcPct val="90000"/>
+        </a:lnSpc>
         <a:spcBef>
-          <a:spcPct val="20000"/>
+          <a:spcPts val="400"/>
         </a:spcBef>
-        <a:buFont typeface="Arial"/>
-        <a:buChar char="–"/>
-        <a:defRPr sz="2800" kern="1200">
+        <a:spcAft>
+          <a:spcPts val="200"/>
+        </a:spcAft>
+        <a:buClr>
+          <a:schemeClr val="accent1">
+            <a:lumMod val="75000"/>
+          </a:schemeClr>
+        </a:buClr>
+        <a:buSzPct val="85000"/>
+        <a:buFont typeface="Wingdings" pitchFamily="2" charset="2"/>
+        <a:buChar char="§"/>
+        <a:defRPr sz="1800" kern="1200">
           <a:solidFill>
             <a:schemeClr val="tx1"/>
           </a:solidFill>
@@ -2879,13 +3894,25 @@
           <a:cs typeface="+mn-cs"/>
         </a:defRPr>
       </a:lvl2pPr>
-      <a:lvl3pPr marL="1143000" indent="-228600" algn="l" defTabSz="457200" rtl="0" eaLnBrk="1" latinLnBrk="0" hangingPunct="1">
+      <a:lvl3pPr marL="731520" indent="-182880" algn="l" defTabSz="914400" rtl="0" eaLnBrk="1" latinLnBrk="0" hangingPunct="1">
+        <a:lnSpc>
+          <a:spcPct val="90000"/>
+        </a:lnSpc>
         <a:spcBef>
-          <a:spcPct val="20000"/>
+          <a:spcPts val="400"/>
         </a:spcBef>
-        <a:buFont typeface="Arial"/>
-        <a:buChar char="•"/>
-        <a:defRPr sz="2400" kern="1200">
+        <a:spcAft>
+          <a:spcPts val="200"/>
+        </a:spcAft>
+        <a:buClr>
+          <a:schemeClr val="accent1">
+            <a:lumMod val="75000"/>
+          </a:schemeClr>
+        </a:buClr>
+        <a:buSzPct val="85000"/>
+        <a:buFont typeface="Wingdings" pitchFamily="2" charset="2"/>
+        <a:buChar char="§"/>
+        <a:defRPr sz="1600" kern="1200">
           <a:solidFill>
             <a:schemeClr val="tx1"/>
           </a:solidFill>
@@ -2894,13 +3921,25 @@
           <a:cs typeface="+mn-cs"/>
         </a:defRPr>
       </a:lvl3pPr>
-      <a:lvl4pPr marL="1600200" indent="-228600" algn="l" defTabSz="457200" rtl="0" eaLnBrk="1" latinLnBrk="0" hangingPunct="1">
+      <a:lvl4pPr marL="1005840" indent="-182880" algn="l" defTabSz="914400" rtl="0" eaLnBrk="1" latinLnBrk="0" hangingPunct="1">
+        <a:lnSpc>
+          <a:spcPct val="90000"/>
+        </a:lnSpc>
         <a:spcBef>
-          <a:spcPct val="20000"/>
+          <a:spcPts val="400"/>
         </a:spcBef>
-        <a:buFont typeface="Arial"/>
-        <a:buChar char="–"/>
-        <a:defRPr sz="2000" kern="1200">
+        <a:spcAft>
+          <a:spcPts val="200"/>
+        </a:spcAft>
+        <a:buClr>
+          <a:schemeClr val="accent1">
+            <a:lumMod val="75000"/>
+          </a:schemeClr>
+        </a:buClr>
+        <a:buSzPct val="85000"/>
+        <a:buFont typeface="Wingdings" pitchFamily="2" charset="2"/>
+        <a:buChar char="§"/>
+        <a:defRPr sz="1600" kern="1200">
           <a:solidFill>
             <a:schemeClr val="tx1"/>
           </a:solidFill>
@@ -2909,13 +3948,25 @@
           <a:cs typeface="+mn-cs"/>
         </a:defRPr>
       </a:lvl4pPr>
-      <a:lvl5pPr marL="2057400" indent="-228600" algn="l" defTabSz="457200" rtl="0" eaLnBrk="1" latinLnBrk="0" hangingPunct="1">
+      <a:lvl5pPr marL="1280160" indent="-182880" algn="l" defTabSz="914400" rtl="0" eaLnBrk="1" latinLnBrk="0" hangingPunct="1">
+        <a:lnSpc>
+          <a:spcPct val="90000"/>
+        </a:lnSpc>
         <a:spcBef>
-          <a:spcPct val="20000"/>
+          <a:spcPts val="400"/>
         </a:spcBef>
-        <a:buFont typeface="Arial"/>
-        <a:buChar char="»"/>
-        <a:defRPr sz="2000" kern="1200">
+        <a:spcAft>
+          <a:spcPts val="200"/>
+        </a:spcAft>
+        <a:buClr>
+          <a:schemeClr val="accent1">
+            <a:lumMod val="75000"/>
+          </a:schemeClr>
+        </a:buClr>
+        <a:buSzPct val="85000"/>
+        <a:buFont typeface="Wingdings" pitchFamily="2" charset="2"/>
+        <a:buChar char="§"/>
+        <a:defRPr sz="1600" kern="1200">
           <a:solidFill>
             <a:schemeClr val="tx1"/>
           </a:solidFill>
@@ -2924,13 +3975,25 @@
           <a:cs typeface="+mn-cs"/>
         </a:defRPr>
       </a:lvl5pPr>
-      <a:lvl6pPr marL="2514600" indent="-228600" algn="l" defTabSz="457200" rtl="0" eaLnBrk="1" latinLnBrk="0" hangingPunct="1">
+      <a:lvl6pPr marL="1600000" indent="-228600" algn="l" defTabSz="914400" rtl="0" eaLnBrk="1" latinLnBrk="0" hangingPunct="1">
+        <a:lnSpc>
+          <a:spcPct val="90000"/>
+        </a:lnSpc>
         <a:spcBef>
-          <a:spcPct val="20000"/>
+          <a:spcPts val="400"/>
         </a:spcBef>
-        <a:buFont typeface="Arial"/>
-        <a:buChar char="•"/>
-        <a:defRPr sz="2000" kern="1200">
+        <a:spcAft>
+          <a:spcPts val="200"/>
+        </a:spcAft>
+        <a:buClr>
+          <a:schemeClr val="accent1">
+            <a:lumMod val="75000"/>
+          </a:schemeClr>
+        </a:buClr>
+        <a:buSzPct val="85000"/>
+        <a:buFont typeface="Wingdings" pitchFamily="2" charset="2"/>
+        <a:buChar char="§"/>
+        <a:defRPr sz="1600" kern="1200">
           <a:solidFill>
             <a:schemeClr val="tx1"/>
           </a:solidFill>
@@ -2939,13 +4002,25 @@
           <a:cs typeface="+mn-cs"/>
         </a:defRPr>
       </a:lvl6pPr>
-      <a:lvl7pPr marL="2971800" indent="-228600" algn="l" defTabSz="457200" rtl="0" eaLnBrk="1" latinLnBrk="0" hangingPunct="1">
+      <a:lvl7pPr marL="1900000" indent="-228600" algn="l" defTabSz="914400" rtl="0" eaLnBrk="1" latinLnBrk="0" hangingPunct="1">
+        <a:lnSpc>
+          <a:spcPct val="90000"/>
+        </a:lnSpc>
         <a:spcBef>
-          <a:spcPct val="20000"/>
+          <a:spcPts val="400"/>
         </a:spcBef>
-        <a:buFont typeface="Arial"/>
-        <a:buChar char="•"/>
-        <a:defRPr sz="2000" kern="1200">
+        <a:spcAft>
+          <a:spcPts val="200"/>
+        </a:spcAft>
+        <a:buClr>
+          <a:schemeClr val="accent1">
+            <a:lumMod val="75000"/>
+          </a:schemeClr>
+        </a:buClr>
+        <a:buSzPct val="85000"/>
+        <a:buFont typeface="Wingdings" pitchFamily="2" charset="2"/>
+        <a:buChar char="§"/>
+        <a:defRPr sz="1600" kern="1200">
           <a:solidFill>
             <a:schemeClr val="tx1"/>
           </a:solidFill>
@@ -2954,13 +4029,25 @@
           <a:cs typeface="+mn-cs"/>
         </a:defRPr>
       </a:lvl7pPr>
-      <a:lvl8pPr marL="3429000" indent="-228600" algn="l" defTabSz="457200" rtl="0" eaLnBrk="1" latinLnBrk="0" hangingPunct="1">
+      <a:lvl8pPr marL="2200000" indent="-228600" algn="l" defTabSz="914400" rtl="0" eaLnBrk="1" latinLnBrk="0" hangingPunct="1">
+        <a:lnSpc>
+          <a:spcPct val="90000"/>
+        </a:lnSpc>
         <a:spcBef>
-          <a:spcPct val="20000"/>
+          <a:spcPts val="400"/>
         </a:spcBef>
-        <a:buFont typeface="Arial"/>
-        <a:buChar char="•"/>
-        <a:defRPr sz="2000" kern="1200">
+        <a:spcAft>
+          <a:spcPts val="200"/>
+        </a:spcAft>
+        <a:buClr>
+          <a:schemeClr val="accent1">
+            <a:lumMod val="75000"/>
+          </a:schemeClr>
+        </a:buClr>
+        <a:buSzPct val="85000"/>
+        <a:buFont typeface="Wingdings" pitchFamily="2" charset="2"/>
+        <a:buChar char="§"/>
+        <a:defRPr sz="1600" kern="1200">
           <a:solidFill>
             <a:schemeClr val="tx1"/>
           </a:solidFill>
@@ -2969,13 +4056,25 @@
           <a:cs typeface="+mn-cs"/>
         </a:defRPr>
       </a:lvl8pPr>
-      <a:lvl9pPr marL="3886200" indent="-228600" algn="l" defTabSz="457200" rtl="0" eaLnBrk="1" latinLnBrk="0" hangingPunct="1">
+      <a:lvl9pPr marL="2500000" indent="-228600" algn="l" defTabSz="914400" rtl="0" eaLnBrk="1" latinLnBrk="0" hangingPunct="1">
+        <a:lnSpc>
+          <a:spcPct val="90000"/>
+        </a:lnSpc>
         <a:spcBef>
-          <a:spcPct val="20000"/>
+          <a:spcPts val="400"/>
         </a:spcBef>
-        <a:buFont typeface="Arial"/>
-        <a:buChar char="•"/>
-        <a:defRPr sz="2000" kern="1200">
+        <a:spcAft>
+          <a:spcPts val="200"/>
+        </a:spcAft>
+        <a:buClr>
+          <a:schemeClr val="accent1">
+            <a:lumMod val="75000"/>
+          </a:schemeClr>
+        </a:buClr>
+        <a:buSzPct val="85000"/>
+        <a:buFont typeface="Wingdings" pitchFamily="2" charset="2"/>
+        <a:buChar char="§"/>
+        <a:defRPr sz="1600" kern="1200">
           <a:solidFill>
             <a:schemeClr val="tx1"/>
           </a:solidFill>
@@ -2989,7 +4088,7 @@
       <a:defPPr>
         <a:defRPr lang="en-US"/>
       </a:defPPr>
-      <a:lvl1pPr marL="0" algn="l" defTabSz="457200" rtl="0" eaLnBrk="1" latinLnBrk="0" hangingPunct="1">
+      <a:lvl1pPr marL="0" algn="l" defTabSz="914400" rtl="0" eaLnBrk="1" latinLnBrk="0" hangingPunct="1">
         <a:defRPr sz="1800" kern="1200">
           <a:solidFill>
             <a:schemeClr val="tx1"/>
@@ -2999,7 +4098,7 @@
           <a:cs typeface="+mn-cs"/>
         </a:defRPr>
       </a:lvl1pPr>
-      <a:lvl2pPr marL="457200" algn="l" defTabSz="457200" rtl="0" eaLnBrk="1" latinLnBrk="0" hangingPunct="1">
+      <a:lvl2pPr marL="457200" algn="l" defTabSz="914400" rtl="0" eaLnBrk="1" latinLnBrk="0" hangingPunct="1">
         <a:defRPr sz="1800" kern="1200">
           <a:solidFill>
             <a:schemeClr val="tx1"/>
@@ -3009,7 +4108,7 @@
           <a:cs typeface="+mn-cs"/>
         </a:defRPr>
       </a:lvl2pPr>
-      <a:lvl3pPr marL="914400" algn="l" defTabSz="457200" rtl="0" eaLnBrk="1" latinLnBrk="0" hangingPunct="1">
+      <a:lvl3pPr marL="914400" algn="l" defTabSz="914400" rtl="0" eaLnBrk="1" latinLnBrk="0" hangingPunct="1">
         <a:defRPr sz="1800" kern="1200">
           <a:solidFill>
             <a:schemeClr val="tx1"/>
@@ -3019,7 +4118,7 @@
           <a:cs typeface="+mn-cs"/>
         </a:defRPr>
       </a:lvl3pPr>
-      <a:lvl4pPr marL="1371600" algn="l" defTabSz="457200" rtl="0" eaLnBrk="1" latinLnBrk="0" hangingPunct="1">
+      <a:lvl4pPr marL="1371600" algn="l" defTabSz="914400" rtl="0" eaLnBrk="1" latinLnBrk="0" hangingPunct="1">
         <a:defRPr sz="1800" kern="1200">
           <a:solidFill>
             <a:schemeClr val="tx1"/>
@@ -3029,7 +4128,7 @@
           <a:cs typeface="+mn-cs"/>
         </a:defRPr>
       </a:lvl4pPr>
-      <a:lvl5pPr marL="1828800" algn="l" defTabSz="457200" rtl="0" eaLnBrk="1" latinLnBrk="0" hangingPunct="1">
+      <a:lvl5pPr marL="1828800" algn="l" defTabSz="914400" rtl="0" eaLnBrk="1" latinLnBrk="0" hangingPunct="1">
         <a:defRPr sz="1800" kern="1200">
           <a:solidFill>
             <a:schemeClr val="tx1"/>
@@ -3039,7 +4138,7 @@
           <a:cs typeface="+mn-cs"/>
         </a:defRPr>
       </a:lvl5pPr>
-      <a:lvl6pPr marL="2286000" algn="l" defTabSz="457200" rtl="0" eaLnBrk="1" latinLnBrk="0" hangingPunct="1">
+      <a:lvl6pPr marL="2286000" algn="l" defTabSz="914400" rtl="0" eaLnBrk="1" latinLnBrk="0" hangingPunct="1">
         <a:defRPr sz="1800" kern="1200">
           <a:solidFill>
             <a:schemeClr val="tx1"/>
@@ -3049,7 +4148,7 @@
           <a:cs typeface="+mn-cs"/>
         </a:defRPr>
       </a:lvl6pPr>
-      <a:lvl7pPr marL="2743200" algn="l" defTabSz="457200" rtl="0" eaLnBrk="1" latinLnBrk="0" hangingPunct="1">
+      <a:lvl7pPr marL="2743200" algn="l" defTabSz="914400" rtl="0" eaLnBrk="1" latinLnBrk="0" hangingPunct="1">
         <a:defRPr sz="1800" kern="1200">
           <a:solidFill>
             <a:schemeClr val="tx1"/>
@@ -3059,7 +4158,7 @@
           <a:cs typeface="+mn-cs"/>
         </a:defRPr>
       </a:lvl7pPr>
-      <a:lvl8pPr marL="3200400" algn="l" defTabSz="457200" rtl="0" eaLnBrk="1" latinLnBrk="0" hangingPunct="1">
+      <a:lvl8pPr marL="3200400" algn="l" defTabSz="914400" rtl="0" eaLnBrk="1" latinLnBrk="0" hangingPunct="1">
         <a:defRPr sz="1800" kern="1200">
           <a:solidFill>
             <a:schemeClr val="tx1"/>
@@ -3069,7 +4168,7 @@
           <a:cs typeface="+mn-cs"/>
         </a:defRPr>
       </a:lvl8pPr>
-      <a:lvl9pPr marL="3657600" algn="l" defTabSz="457200" rtl="0" eaLnBrk="1" latinLnBrk="0" hangingPunct="1">
+      <a:lvl9pPr marL="3657600" algn="l" defTabSz="914400" rtl="0" eaLnBrk="1" latinLnBrk="0" hangingPunct="1">
         <a:defRPr sz="1800" kern="1200">
           <a:solidFill>
             <a:schemeClr val="tx1"/>
@@ -3085,7 +4184,7 @@
 </file>
 
 <file path=ppt/slides/slide1.xml><?xml version="1.0" encoding="utf-8"?>
-<p:sld xmlns:a="http://schemas.openxmlformats.org/drawingml/2006/main" xmlns:p="http://schemas.openxmlformats.org/presentationml/2006/main" xmlns:r="http://schemas.openxmlformats.org/officeDocument/2006/relationships">
+<p:sld xmlns:a="http://schemas.openxmlformats.org/drawingml/2006/main" xmlns:r="http://schemas.openxmlformats.org/officeDocument/2006/relationships" xmlns:p="http://schemas.openxmlformats.org/presentationml/2006/main">
   <p:cSld>
     <p:spTree>
       <p:nvGrpSpPr>
@@ -3093,7 +4192,14 @@
         <p:cNvGrpSpPr/>
         <p:nvPr/>
       </p:nvGrpSpPr>
-      <p:grpSpPr/>
+      <p:grpSpPr>
+        <a:xfrm>
+          <a:off x="0" y="0"/>
+          <a:ext cx="0" cy="0"/>
+          <a:chOff x="0" y="0"/>
+          <a:chExt cx="0" cy="0"/>
+        </a:xfrm>
+      </p:grpSpPr>
       <p:sp>
         <p:nvSpPr>
           <p:cNvPr id="2" name="Title 1"/>
@@ -3145,7 +4251,7 @@
 </file>
 
 <file path=ppt/slides/slide2.xml><?xml version="1.0" encoding="utf-8"?>
-<p:sld xmlns:a="http://schemas.openxmlformats.org/drawingml/2006/main" xmlns:p="http://schemas.openxmlformats.org/presentationml/2006/main" xmlns:r="http://schemas.openxmlformats.org/officeDocument/2006/relationships">
+<p:sld xmlns:a="http://schemas.openxmlformats.org/drawingml/2006/main" xmlns:r="http://schemas.openxmlformats.org/officeDocument/2006/relationships" xmlns:p="http://schemas.openxmlformats.org/presentationml/2006/main">
   <p:cSld>
     <p:spTree>
       <p:nvGrpSpPr>
@@ -3153,7 +4259,14 @@
         <p:cNvGrpSpPr/>
         <p:nvPr/>
       </p:nvGrpSpPr>
-      <p:grpSpPr/>
+      <p:grpSpPr>
+        <a:xfrm>
+          <a:off x="0" y="0"/>
+          <a:ext cx="0" cy="0"/>
+          <a:chOff x="0" y="0"/>
+          <a:chExt cx="0" cy="0"/>
+        </a:xfrm>
+      </p:grpSpPr>
       <p:sp>
         <p:nvSpPr>
           <p:cNvPr id="2" name="Title 1"/>
@@ -3215,7 +4328,7 @@
 </file>
 
 <file path=ppt/slides/slide3.xml><?xml version="1.0" encoding="utf-8"?>
-<p:sld xmlns:a="http://schemas.openxmlformats.org/drawingml/2006/main" xmlns:p="http://schemas.openxmlformats.org/presentationml/2006/main" xmlns:r="http://schemas.openxmlformats.org/officeDocument/2006/relationships">
+<p:sld xmlns:a="http://schemas.openxmlformats.org/drawingml/2006/main" xmlns:r="http://schemas.openxmlformats.org/officeDocument/2006/relationships" xmlns:p="http://schemas.openxmlformats.org/presentationml/2006/main">
   <p:cSld>
     <p:spTree>
       <p:nvGrpSpPr>
@@ -3223,7 +4336,14 @@
         <p:cNvGrpSpPr/>
         <p:nvPr/>
       </p:nvGrpSpPr>
-      <p:grpSpPr/>
+      <p:grpSpPr>
+        <a:xfrm>
+          <a:off x="0" y="0"/>
+          <a:ext cx="0" cy="0"/>
+          <a:chOff x="0" y="0"/>
+          <a:chExt cx="0" cy="0"/>
+        </a:xfrm>
+      </p:grpSpPr>
       <p:sp>
         <p:nvSpPr>
           <p:cNvPr id="2" name="Title 1"/>
@@ -3282,8 +4402,8 @@
         </p:blipFill>
         <p:spPr>
           <a:xfrm>
-            <a:off x="914400" y="1828800"/>
-            <a:ext cx="5486400" cy="3429000"/>
+            <a:off x="914400" y="2743200"/>
+            <a:ext cx="7430610" cy="3840162"/>
           </a:xfrm>
           <a:prstGeom prst="rect">
             <a:avLst/>
@@ -3299,7 +4419,7 @@
 </file>
 
 <file path=ppt/slides/slide4.xml><?xml version="1.0" encoding="utf-8"?>
-<p:sld xmlns:a="http://schemas.openxmlformats.org/drawingml/2006/main" xmlns:p="http://schemas.openxmlformats.org/presentationml/2006/main" xmlns:r="http://schemas.openxmlformats.org/officeDocument/2006/relationships">
+<p:sld xmlns:a="http://schemas.openxmlformats.org/drawingml/2006/main" xmlns:r="http://schemas.openxmlformats.org/officeDocument/2006/relationships" xmlns:p="http://schemas.openxmlformats.org/presentationml/2006/main">
   <p:cSld>
     <p:spTree>
       <p:nvGrpSpPr>
@@ -3307,7 +4427,14 @@
         <p:cNvGrpSpPr/>
         <p:nvPr/>
       </p:nvGrpSpPr>
-      <p:grpSpPr/>
+      <p:grpSpPr>
+        <a:xfrm>
+          <a:off x="0" y="0"/>
+          <a:ext cx="0" cy="0"/>
+          <a:chOff x="0" y="0"/>
+          <a:chExt cx="0" cy="0"/>
+        </a:xfrm>
+      </p:grpSpPr>
       <p:sp>
         <p:nvSpPr>
           <p:cNvPr id="2" name="Title 1"/>
@@ -3366,8 +4493,8 @@
         </p:blipFill>
         <p:spPr>
           <a:xfrm>
-            <a:off x="914400" y="1828800"/>
-            <a:ext cx="5486400" cy="3429000"/>
+            <a:off x="914400" y="2681056"/>
+            <a:ext cx="7772400" cy="3902306"/>
           </a:xfrm>
           <a:prstGeom prst="rect">
             <a:avLst/>
@@ -3383,7 +4510,7 @@
 </file>
 
 <file path=ppt/slides/slide5.xml><?xml version="1.0" encoding="utf-8"?>
-<p:sld xmlns:a="http://schemas.openxmlformats.org/drawingml/2006/main" xmlns:p="http://schemas.openxmlformats.org/presentationml/2006/main" xmlns:r="http://schemas.openxmlformats.org/officeDocument/2006/relationships">
+<p:sld xmlns:a="http://schemas.openxmlformats.org/drawingml/2006/main" xmlns:r="http://schemas.openxmlformats.org/officeDocument/2006/relationships" xmlns:p="http://schemas.openxmlformats.org/presentationml/2006/main">
   <p:cSld>
     <p:spTree>
       <p:nvGrpSpPr>
@@ -3391,7 +4518,14 @@
         <p:cNvGrpSpPr/>
         <p:nvPr/>
       </p:nvGrpSpPr>
-      <p:grpSpPr/>
+      <p:grpSpPr>
+        <a:xfrm>
+          <a:off x="0" y="0"/>
+          <a:ext cx="0" cy="0"/>
+          <a:chOff x="0" y="0"/>
+          <a:chExt cx="0" cy="0"/>
+        </a:xfrm>
+      </p:grpSpPr>
       <p:sp>
         <p:nvSpPr>
           <p:cNvPr id="2" name="Title 1"/>
@@ -3450,8 +4584,8 @@
         </p:blipFill>
         <p:spPr>
           <a:xfrm>
-            <a:off x="914400" y="1828800"/>
-            <a:ext cx="5486400" cy="4389120"/>
+            <a:off x="914400" y="3187083"/>
+            <a:ext cx="7581530" cy="3497801"/>
           </a:xfrm>
           <a:prstGeom prst="rect">
             <a:avLst/>
@@ -3467,7 +4601,7 @@
 </file>
 
 <file path=ppt/slides/slide6.xml><?xml version="1.0" encoding="utf-8"?>
-<p:sld xmlns:a="http://schemas.openxmlformats.org/drawingml/2006/main" xmlns:p="http://schemas.openxmlformats.org/presentationml/2006/main" xmlns:r="http://schemas.openxmlformats.org/officeDocument/2006/relationships">
+<p:sld xmlns:a="http://schemas.openxmlformats.org/drawingml/2006/main" xmlns:r="http://schemas.openxmlformats.org/officeDocument/2006/relationships" xmlns:p="http://schemas.openxmlformats.org/presentationml/2006/main">
   <p:cSld>
     <p:spTree>
       <p:nvGrpSpPr>
@@ -3475,7 +4609,14 @@
         <p:cNvGrpSpPr/>
         <p:nvPr/>
       </p:nvGrpSpPr>
-      <p:grpSpPr/>
+      <p:grpSpPr>
+        <a:xfrm>
+          <a:off x="0" y="0"/>
+          <a:ext cx="0" cy="0"/>
+          <a:chOff x="0" y="0"/>
+          <a:chExt cx="0" cy="0"/>
+        </a:xfrm>
+      </p:grpSpPr>
       <p:sp>
         <p:nvSpPr>
           <p:cNvPr id="2" name="Title 1"/>
@@ -3534,8 +4675,8 @@
         </p:blipFill>
         <p:spPr>
           <a:xfrm>
-            <a:off x="914400" y="1828800"/>
-            <a:ext cx="5486400" cy="3429000"/>
+            <a:off x="914399" y="3160450"/>
+            <a:ext cx="7883371" cy="3329126"/>
           </a:xfrm>
           <a:prstGeom prst="rect">
             <a:avLst/>
@@ -3551,7 +4692,7 @@
 </file>
 
 <file path=ppt/slides/slide7.xml><?xml version="1.0" encoding="utf-8"?>
-<p:sld xmlns:a="http://schemas.openxmlformats.org/drawingml/2006/main" xmlns:p="http://schemas.openxmlformats.org/presentationml/2006/main" xmlns:r="http://schemas.openxmlformats.org/officeDocument/2006/relationships">
+<p:sld xmlns:a="http://schemas.openxmlformats.org/drawingml/2006/main" xmlns:r="http://schemas.openxmlformats.org/officeDocument/2006/relationships" xmlns:p="http://schemas.openxmlformats.org/presentationml/2006/main">
   <p:cSld>
     <p:spTree>
       <p:nvGrpSpPr>
@@ -3559,7 +4700,14 @@
         <p:cNvGrpSpPr/>
         <p:nvPr/>
       </p:nvGrpSpPr>
-      <p:grpSpPr/>
+      <p:grpSpPr>
+        <a:xfrm>
+          <a:off x="0" y="0"/>
+          <a:ext cx="0" cy="0"/>
+          <a:chOff x="0" y="0"/>
+          <a:chExt cx="0" cy="0"/>
+        </a:xfrm>
+      </p:grpSpPr>
       <p:sp>
         <p:nvSpPr>
           <p:cNvPr id="2" name="Title 1"/>
@@ -3621,9 +4769,9 @@
 </file>
 
 <file path=ppt/theme/theme1.xml><?xml version="1.0" encoding="utf-8"?>
-<a:theme xmlns:a="http://schemas.openxmlformats.org/drawingml/2006/main" name="Office Theme">
+<a:theme xmlns:a="http://schemas.openxmlformats.org/drawingml/2006/main" name="Wood Type">
   <a:themeElements>
-    <a:clrScheme name="Office">
+    <a:clrScheme name="Wood Type">
       <a:dk1>
         <a:sysClr val="windowText" lastClr="000000"/>
       </a:dk1>
@@ -3631,48 +4779,86 @@
         <a:sysClr val="window" lastClr="FFFFFF"/>
       </a:lt1>
       <a:dk2>
-        <a:srgbClr val="1F497D"/>
+        <a:srgbClr val="696464"/>
       </a:dk2>
       <a:lt2>
-        <a:srgbClr val="EEECE1"/>
+        <a:srgbClr val="E9E5DC"/>
       </a:lt2>
       <a:accent1>
-        <a:srgbClr val="4F81BD"/>
+        <a:srgbClr val="D34817"/>
       </a:accent1>
       <a:accent2>
-        <a:srgbClr val="C0504D"/>
+        <a:srgbClr val="9B2D1F"/>
       </a:accent2>
       <a:accent3>
-        <a:srgbClr val="9BBB59"/>
+        <a:srgbClr val="A28E6A"/>
       </a:accent3>
       <a:accent4>
-        <a:srgbClr val="8064A2"/>
+        <a:srgbClr val="956251"/>
       </a:accent4>
       <a:accent5>
-        <a:srgbClr val="4BACC6"/>
+        <a:srgbClr val="918485"/>
       </a:accent5>
       <a:accent6>
-        <a:srgbClr val="F79646"/>
+        <a:srgbClr val="855D5D"/>
       </a:accent6>
       <a:hlink>
-        <a:srgbClr val="0000FF"/>
+        <a:srgbClr val="CC9900"/>
       </a:hlink>
       <a:folHlink>
-        <a:srgbClr val="800080"/>
+        <a:srgbClr val="96A9A9"/>
       </a:folHlink>
     </a:clrScheme>
-    <a:fontScheme name="Office">
+    <a:fontScheme name="Wood Type">
       <a:majorFont>
-        <a:latin typeface="Calibri"/>
+        <a:latin typeface="Rockwell Condensed" panose="02060603050405020104"/>
         <a:ea typeface=""/>
         <a:cs typeface=""/>
-        <a:font script="Jpan" typeface="ＭＳ Ｐゴシック"/>
-        <a:font script="Hang" typeface="맑은 고딕"/>
-        <a:font script="Hans" typeface="宋体"/>
-        <a:font script="Hant" typeface="新細明體"/>
+        <a:font script="Grek" typeface="Cambria"/>
+        <a:font script="Cyrl" typeface="Cambria"/>
+        <a:font script="Jpan" typeface="HG明朝B"/>
+        <a:font script="Hang" typeface="바탕"/>
+        <a:font script="Hans" typeface="方正姚体"/>
+        <a:font script="Hant" typeface="微軟正黑體"/>
         <a:font script="Arab" typeface="Times New Roman"/>
-        <a:font script="Hebr" typeface="Times New Roman"/>
-        <a:font script="Thai" typeface="Angsana New"/>
+        <a:font script="Hebr" typeface="David"/>
+        <a:font script="Thai" typeface="JasmineUPC"/>
+        <a:font script="Ethi" typeface="Nyala"/>
+        <a:font script="Beng" typeface="Vrinda"/>
+        <a:font script="Gujr" typeface="Shruti"/>
+        <a:font script="Khmr" typeface="MoolBoran"/>
+        <a:font script="Knda" typeface="Tunga"/>
+        <a:font script="Guru" typeface="Raavi"/>
+        <a:font script="Cans" typeface="Euphemia"/>
+        <a:font script="Cher" typeface="Plantagenet Cherokee"/>
+        <a:font script="Yiii" typeface="Microsoft Yi Baiti"/>
+        <a:font script="Tibt" typeface="Microsoft Himalaya"/>
+        <a:font script="Thaa" typeface="MV Boli"/>
+        <a:font script="Deva" typeface="Mangal"/>
+        <a:font script="Telu" typeface="Gautami"/>
+        <a:font script="Taml" typeface="Latha"/>
+        <a:font script="Syrc" typeface="Estrangelo Edessa"/>
+        <a:font script="Orya" typeface="Kalinga"/>
+        <a:font script="Mlym" typeface="Kartika"/>
+        <a:font script="Laoo" typeface="DokChampa"/>
+        <a:font script="Sinh" typeface="Iskoola Pota"/>
+        <a:font script="Mong" typeface="Mongolian Baiti"/>
+        <a:font script="Viet" typeface="Arial"/>
+        <a:font script="Uigh" typeface="Microsoft Uighur"/>
+      </a:majorFont>
+      <a:minorFont>
+        <a:latin typeface="Rockwell" panose="02060603020205020403"/>
+        <a:ea typeface=""/>
+        <a:cs typeface=""/>
+        <a:font script="Grek" typeface="Cambria"/>
+        <a:font script="Cyrl" typeface="Cambria"/>
+        <a:font script="Jpan" typeface="HG明朝B"/>
+        <a:font script="Hang" typeface="바탕"/>
+        <a:font script="Hans" typeface="方正姚体"/>
+        <a:font script="Hant" typeface="標楷體"/>
+        <a:font script="Arab" typeface="Times New Roman"/>
+        <a:font script="Hebr" typeface="David"/>
+        <a:font script="Thai" typeface="JasmineUPC"/>
         <a:font script="Ethi" typeface="Nyala"/>
         <a:font script="Beng" typeface="Vrinda"/>
         <a:font script="Gujr" typeface="Shruti"/>
@@ -3695,109 +4881,57 @@
         <a:font script="Mong" typeface="Mongolian Baiti"/>
         <a:font script="Viet" typeface="Times New Roman"/>
         <a:font script="Uigh" typeface="Microsoft Uighur"/>
-        <a:font script="Geor" typeface="Sylfaen"/>
-      </a:majorFont>
-      <a:minorFont>
-        <a:latin typeface="Calibri"/>
-        <a:ea typeface=""/>
-        <a:cs typeface=""/>
-        <a:font script="Jpan" typeface="ＭＳ Ｐゴシック"/>
-        <a:font script="Hang" typeface="맑은 고딕"/>
-        <a:font script="Hans" typeface="宋体"/>
-        <a:font script="Hant" typeface="新細明體"/>
-        <a:font script="Arab" typeface="Arial"/>
-        <a:font script="Hebr" typeface="Arial"/>
-        <a:font script="Thai" typeface="Cordia New"/>
-        <a:font script="Ethi" typeface="Nyala"/>
-        <a:font script="Beng" typeface="Vrinda"/>
-        <a:font script="Gujr" typeface="Shruti"/>
-        <a:font script="Khmr" typeface="DaunPenh"/>
-        <a:font script="Knda" typeface="Tunga"/>
-        <a:font script="Guru" typeface="Raavi"/>
-        <a:font script="Cans" typeface="Euphemia"/>
-        <a:font script="Cher" typeface="Plantagenet Cherokee"/>
-        <a:font script="Yiii" typeface="Microsoft Yi Baiti"/>
-        <a:font script="Tibt" typeface="Microsoft Himalaya"/>
-        <a:font script="Thaa" typeface="MV Boli"/>
-        <a:font script="Deva" typeface="Mangal"/>
-        <a:font script="Telu" typeface="Gautami"/>
-        <a:font script="Taml" typeface="Latha"/>
-        <a:font script="Syrc" typeface="Estrangelo Edessa"/>
-        <a:font script="Orya" typeface="Kalinga"/>
-        <a:font script="Mlym" typeface="Kartika"/>
-        <a:font script="Laoo" typeface="DokChampa"/>
-        <a:font script="Sinh" typeface="Iskoola Pota"/>
-        <a:font script="Mong" typeface="Mongolian Baiti"/>
-        <a:font script="Viet" typeface="Arial"/>
-        <a:font script="Uigh" typeface="Microsoft Uighur"/>
-        <a:font script="Geor" typeface="Sylfaen"/>
       </a:minorFont>
     </a:fontScheme>
-    <a:fmtScheme name="Office">
+    <a:fmtScheme name="Wood Type">
       <a:fillStyleLst>
         <a:solidFill>
           <a:schemeClr val="phClr"/>
         </a:solidFill>
-        <a:gradFill rotWithShape="1">
-          <a:gsLst>
-            <a:gs pos="0">
+        <a:blipFill rotWithShape="1">
+          <a:blip xmlns:r="http://schemas.openxmlformats.org/officeDocument/2006/relationships" r:embed="rId1">
+            <a:duotone>
               <a:schemeClr val="phClr">
-                <a:tint val="50000"/>
-                <a:satMod val="300000"/>
+                <a:tint val="70000"/>
+                <a:shade val="63000"/>
               </a:schemeClr>
-            </a:gs>
-            <a:gs pos="35000">
               <a:schemeClr val="phClr">
-                <a:tint val="37000"/>
-                <a:satMod val="300000"/>
+                <a:tint val="10000"/>
+                <a:satMod val="150000"/>
               </a:schemeClr>
-            </a:gs>
-            <a:gs pos="100000">
+            </a:duotone>
+          </a:blip>
+          <a:tile tx="0" ty="0" sx="60000" sy="59000" flip="none" algn="tl"/>
+        </a:blipFill>
+        <a:blipFill rotWithShape="1">
+          <a:blip xmlns:r="http://schemas.openxmlformats.org/officeDocument/2006/relationships" r:embed="rId1">
+            <a:duotone>
               <a:schemeClr val="phClr">
-                <a:tint val="15000"/>
-                <a:satMod val="350000"/>
+                <a:shade val="36000"/>
+                <a:satMod val="120000"/>
               </a:schemeClr>
-            </a:gs>
-          </a:gsLst>
-          <a:lin ang="16200000" scaled="1"/>
-        </a:gradFill>
-        <a:gradFill rotWithShape="1">
-          <a:gsLst>
-            <a:gs pos="0">
               <a:schemeClr val="phClr">
-                <a:tint val="100000"/>
-                <a:shade val="100000"/>
-                <a:satMod val="130000"/>
+                <a:tint val="40000"/>
               </a:schemeClr>
-            </a:gs>
-            <a:gs pos="100000">
-              <a:schemeClr val="phClr">
-                <a:tint val="50000"/>
-                <a:shade val="100000"/>
-                <a:satMod val="350000"/>
-              </a:schemeClr>
-            </a:gs>
-          </a:gsLst>
-          <a:lin ang="16200000" scaled="0"/>
-        </a:gradFill>
+            </a:duotone>
+          </a:blip>
+          <a:tile tx="0" ty="0" sx="60000" sy="59000" flip="none" algn="tl"/>
+        </a:blipFill>
       </a:fillStyleLst>
       <a:lnStyleLst>
-        <a:ln w="9525" cap="flat" cmpd="sng" algn="ctr">
-          <a:solidFill>
-            <a:schemeClr val="phClr">
-              <a:shade val="95000"/>
-              <a:satMod val="105000"/>
-            </a:schemeClr>
-          </a:solidFill>
-          <a:prstDash val="solid"/>
-        </a:ln>
-        <a:ln w="25400" cap="flat" cmpd="sng" algn="ctr">
+        <a:ln w="6350" cap="flat" cmpd="sng" algn="ctr">
           <a:solidFill>
             <a:schemeClr val="phClr"/>
           </a:solidFill>
           <a:prstDash val="solid"/>
         </a:ln>
-        <a:ln w="38100" cap="flat" cmpd="sng" algn="ctr">
+        <a:ln w="12700" cap="flat" cmpd="sng" algn="ctr">
+          <a:solidFill>
+            <a:schemeClr val="phClr"/>
+          </a:solidFill>
+          <a:prstDash val="solid"/>
+        </a:ln>
+        <a:ln w="19050" cap="flat" cmpd="sng" algn="ctr">
           <a:solidFill>
             <a:schemeClr val="phClr"/>
           </a:solidFill>
@@ -3806,136 +4940,59 @@
       </a:lnStyleLst>
       <a:effectStyleLst>
         <a:effectStyle>
+          <a:effectLst/>
+        </a:effectStyle>
+        <a:effectStyle>
           <a:effectLst>
-            <a:outerShdw blurRad="40000" dist="20000" dir="5400000" rotWithShape="0">
-              <a:srgbClr val="000000">
-                <a:alpha val="38000"/>
-              </a:srgbClr>
-            </a:outerShdw>
+            <a:softEdge rad="12700"/>
           </a:effectLst>
         </a:effectStyle>
         <a:effectStyle>
           <a:effectLst>
-            <a:outerShdw blurRad="40000" dist="23000" dir="5400000" rotWithShape="0">
+            <a:outerShdw blurRad="50800" dist="19050" dir="5400000" algn="tl" rotWithShape="0">
               <a:srgbClr val="000000">
-                <a:alpha val="35000"/>
+                <a:alpha val="60000"/>
               </a:srgbClr>
             </a:outerShdw>
+            <a:softEdge rad="12700"/>
           </a:effectLst>
-        </a:effectStyle>
-        <a:effectStyle>
-          <a:effectLst>
-            <a:outerShdw blurRad="40000" dist="23000" dir="5400000" rotWithShape="0">
-              <a:srgbClr val="000000">
-                <a:alpha val="35000"/>
-              </a:srgbClr>
-            </a:outerShdw>
-          </a:effectLst>
-          <a:scene3d>
-            <a:camera prst="orthographicFront">
-              <a:rot lat="0" lon="0" rev="0"/>
-            </a:camera>
-            <a:lightRig rig="threePt" dir="t">
-              <a:rot lat="0" lon="0" rev="1200000"/>
-            </a:lightRig>
-          </a:scene3d>
-          <a:sp3d>
-            <a:bevelT w="63500" h="25400"/>
-          </a:sp3d>
         </a:effectStyle>
       </a:effectStyleLst>
       <a:bgFillStyleLst>
         <a:solidFill>
           <a:schemeClr val="phClr"/>
         </a:solidFill>
-        <a:gradFill rotWithShape="1">
-          <a:gsLst>
-            <a:gs pos="0">
+        <a:solidFill>
+          <a:schemeClr val="phClr">
+            <a:shade val="97000"/>
+            <a:satMod val="150000"/>
+          </a:schemeClr>
+        </a:solidFill>
+        <a:blipFill rotWithShape="1">
+          <a:blip xmlns:r="http://schemas.openxmlformats.org/officeDocument/2006/relationships" r:embed="rId1">
+            <a:duotone>
               <a:schemeClr val="phClr">
-                <a:tint val="40000"/>
-                <a:satMod val="350000"/>
+                <a:tint val="75000"/>
+                <a:shade val="58000"/>
+                <a:satMod val="120000"/>
               </a:schemeClr>
-            </a:gs>
-            <a:gs pos="40000">
               <a:schemeClr val="phClr">
-                <a:tint val="45000"/>
-                <a:shade val="99000"/>
-                <a:satMod val="350000"/>
+                <a:tint val="50000"/>
+                <a:shade val="96000"/>
               </a:schemeClr>
-            </a:gs>
-            <a:gs pos="100000">
-              <a:schemeClr val="phClr">
-                <a:shade val="20000"/>
-                <a:satMod val="255000"/>
-              </a:schemeClr>
-            </a:gs>
-          </a:gsLst>
-          <a:path path="circle">
-            <a:fillToRect l="50000" t="-80000" r="50000" b="180000"/>
-          </a:path>
-        </a:gradFill>
-        <a:gradFill rotWithShape="1">
-          <a:gsLst>
-            <a:gs pos="0">
-              <a:schemeClr val="phClr">
-                <a:tint val="80000"/>
-                <a:satMod val="300000"/>
-              </a:schemeClr>
-            </a:gs>
-            <a:gs pos="100000">
-              <a:schemeClr val="phClr">
-                <a:shade val="30000"/>
-                <a:satMod val="200000"/>
-              </a:schemeClr>
-            </a:gs>
-          </a:gsLst>
-          <a:path path="circle">
-            <a:fillToRect l="50000" t="50000" r="50000" b="50000"/>
-          </a:path>
-        </a:gradFill>
+            </a:duotone>
+          </a:blip>
+          <a:tile tx="0" ty="0" sx="100000" sy="100000" flip="none" algn="tl"/>
+        </a:blipFill>
       </a:bgFillStyleLst>
     </a:fmtScheme>
   </a:themeElements>
-  <a:objectDefaults>
-    <a:spDef>
-      <a:spPr/>
-      <a:bodyPr/>
-      <a:lstStyle/>
-      <a:style>
-        <a:lnRef idx="1">
-          <a:schemeClr val="accent1"/>
-        </a:lnRef>
-        <a:fillRef idx="3">
-          <a:schemeClr val="accent1"/>
-        </a:fillRef>
-        <a:effectRef idx="2">
-          <a:schemeClr val="accent1"/>
-        </a:effectRef>
-        <a:fontRef idx="minor">
-          <a:schemeClr val="lt1"/>
-        </a:fontRef>
-      </a:style>
-    </a:spDef>
-    <a:lnDef>
-      <a:spPr/>
-      <a:bodyPr/>
-      <a:lstStyle/>
-      <a:style>
-        <a:lnRef idx="2">
-          <a:schemeClr val="accent1"/>
-        </a:lnRef>
-        <a:fillRef idx="0">
-          <a:schemeClr val="accent1"/>
-        </a:fillRef>
-        <a:effectRef idx="1">
-          <a:schemeClr val="accent1"/>
-        </a:effectRef>
-        <a:fontRef idx="minor">
-          <a:schemeClr val="tx1"/>
-        </a:fontRef>
-      </a:style>
-    </a:lnDef>
-  </a:objectDefaults>
+  <a:objectDefaults/>
   <a:extraClrSchemeLst/>
+  <a:extLst>
+    <a:ext uri="{05A4C25C-085E-4340-85A3-A5531E510DB2}">
+      <thm15:themeFamily xmlns:thm15="http://schemas.microsoft.com/office/thememl/2012/main" name="Wood Type" id="{7ACABC62-BF99-48CF-A9DC-4DB89C7B13DC}" vid="{142A1326-48AB-42A9-8428-CB14AA30176D}"/>
+    </a:ext>
+  </a:extLst>
 </a:theme>
 </file>